--- a/College/FMP/Bacon Bandit.pptx
+++ b/College/FMP/Bacon Bandit.pptx
@@ -6,9 +6,10 @@
   </p:sldMasterIdLst>
   <p:sldIdLst>
     <p:sldId id="256" r:id="rId2"/>
-    <p:sldId id="257" r:id="rId3"/>
+    <p:sldId id="258" r:id="rId3"/>
     <p:sldId id="259" r:id="rId4"/>
-    <p:sldId id="258" r:id="rId5"/>
+    <p:sldId id="257" r:id="rId5"/>
+    <p:sldId id="260" r:id="rId6"/>
   </p:sldIdLst>
   <p:sldSz cx="12192000" cy="6858000"/>
   <p:notesSz cx="6858000" cy="9144000"/>
@@ -107,6 +108,11 @@
       </a:defRPr>
     </a:lvl9pPr>
   </p:defaultTextStyle>
+  <p:extLst>
+    <p:ext uri="{EFAFB233-063F-42B5-8137-9DF3F51BA10A}">
+      <p15:sldGuideLst xmlns:p15="http://schemas.microsoft.com/office/powerpoint/2012/main"/>
+    </p:ext>
+  </p:extLst>
 </p:presentation>
 </file>
 
@@ -241,7 +247,7 @@
           <a:p>
             <a:fld id="{8C73A8CE-8DBE-4846-85EC-5C6E1CEE8DAD}" type="datetimeFigureOut">
               <a:rPr lang="en-GB" smtClean="0"/>
-              <a:t>21/11/2019</a:t>
+              <a:t>22/11/2019</a:t>
             </a:fld>
             <a:endParaRPr lang="en-GB"/>
           </a:p>
@@ -411,7 +417,7 @@
           <a:p>
             <a:fld id="{8C73A8CE-8DBE-4846-85EC-5C6E1CEE8DAD}" type="datetimeFigureOut">
               <a:rPr lang="en-GB" smtClean="0"/>
-              <a:t>21/11/2019</a:t>
+              <a:t>22/11/2019</a:t>
             </a:fld>
             <a:endParaRPr lang="en-GB"/>
           </a:p>
@@ -591,7 +597,7 @@
           <a:p>
             <a:fld id="{8C73A8CE-8DBE-4846-85EC-5C6E1CEE8DAD}" type="datetimeFigureOut">
               <a:rPr lang="en-GB" smtClean="0"/>
-              <a:t>21/11/2019</a:t>
+              <a:t>22/11/2019</a:t>
             </a:fld>
             <a:endParaRPr lang="en-GB"/>
           </a:p>
@@ -761,7 +767,7 @@
           <a:p>
             <a:fld id="{8C73A8CE-8DBE-4846-85EC-5C6E1CEE8DAD}" type="datetimeFigureOut">
               <a:rPr lang="en-GB" smtClean="0"/>
-              <a:t>21/11/2019</a:t>
+              <a:t>22/11/2019</a:t>
             </a:fld>
             <a:endParaRPr lang="en-GB"/>
           </a:p>
@@ -1007,7 +1013,7 @@
           <a:p>
             <a:fld id="{8C73A8CE-8DBE-4846-85EC-5C6E1CEE8DAD}" type="datetimeFigureOut">
               <a:rPr lang="en-GB" smtClean="0"/>
-              <a:t>21/11/2019</a:t>
+              <a:t>22/11/2019</a:t>
             </a:fld>
             <a:endParaRPr lang="en-GB"/>
           </a:p>
@@ -1239,7 +1245,7 @@
           <a:p>
             <a:fld id="{8C73A8CE-8DBE-4846-85EC-5C6E1CEE8DAD}" type="datetimeFigureOut">
               <a:rPr lang="en-GB" smtClean="0"/>
-              <a:t>21/11/2019</a:t>
+              <a:t>22/11/2019</a:t>
             </a:fld>
             <a:endParaRPr lang="en-GB"/>
           </a:p>
@@ -1606,7 +1612,7 @@
           <a:p>
             <a:fld id="{8C73A8CE-8DBE-4846-85EC-5C6E1CEE8DAD}" type="datetimeFigureOut">
               <a:rPr lang="en-GB" smtClean="0"/>
-              <a:t>21/11/2019</a:t>
+              <a:t>22/11/2019</a:t>
             </a:fld>
             <a:endParaRPr lang="en-GB"/>
           </a:p>
@@ -1724,7 +1730,7 @@
           <a:p>
             <a:fld id="{8C73A8CE-8DBE-4846-85EC-5C6E1CEE8DAD}" type="datetimeFigureOut">
               <a:rPr lang="en-GB" smtClean="0"/>
-              <a:t>21/11/2019</a:t>
+              <a:t>22/11/2019</a:t>
             </a:fld>
             <a:endParaRPr lang="en-GB"/>
           </a:p>
@@ -1819,7 +1825,7 @@
           <a:p>
             <a:fld id="{8C73A8CE-8DBE-4846-85EC-5C6E1CEE8DAD}" type="datetimeFigureOut">
               <a:rPr lang="en-GB" smtClean="0"/>
-              <a:t>21/11/2019</a:t>
+              <a:t>22/11/2019</a:t>
             </a:fld>
             <a:endParaRPr lang="en-GB"/>
           </a:p>
@@ -2096,7 +2102,7 @@
           <a:p>
             <a:fld id="{8C73A8CE-8DBE-4846-85EC-5C6E1CEE8DAD}" type="datetimeFigureOut">
               <a:rPr lang="en-GB" smtClean="0"/>
-              <a:t>21/11/2019</a:t>
+              <a:t>22/11/2019</a:t>
             </a:fld>
             <a:endParaRPr lang="en-GB"/>
           </a:p>
@@ -2349,7 +2355,7 @@
           <a:p>
             <a:fld id="{8C73A8CE-8DBE-4846-85EC-5C6E1CEE8DAD}" type="datetimeFigureOut">
               <a:rPr lang="en-GB" smtClean="0"/>
-              <a:t>21/11/2019</a:t>
+              <a:t>22/11/2019</a:t>
             </a:fld>
             <a:endParaRPr lang="en-GB"/>
           </a:p>
@@ -2562,7 +2568,7 @@
           <a:p>
             <a:fld id="{8C73A8CE-8DBE-4846-85EC-5C6E1CEE8DAD}" type="datetimeFigureOut">
               <a:rPr lang="en-GB" smtClean="0"/>
-              <a:t>21/11/2019</a:t>
+              <a:t>22/11/2019</a:t>
             </a:fld>
             <a:endParaRPr lang="en-GB"/>
           </a:p>
@@ -2982,10 +2988,6 @@
           <a:bodyPr/>
           <a:lstStyle/>
           <a:p>
-            <a:r>
-              <a:rPr lang="en-GB" dirty="0" smtClean="0"/>
-              <a:t>Bacon Bandit</a:t>
-            </a:r>
             <a:endParaRPr lang="en-GB" dirty="0"/>
           </a:p>
         </p:txBody>
@@ -3049,21 +3051,14 @@
             <p:ph type="title"/>
           </p:nvPr>
         </p:nvSpPr>
-        <p:spPr>
-          <a:xfrm>
-            <a:off x="839787" y="987425"/>
-            <a:ext cx="3932237" cy="511233"/>
-          </a:xfrm>
-        </p:spPr>
-        <p:txBody>
-          <a:bodyPr>
-            <a:normAutofit fontScale="90000"/>
-          </a:bodyPr>
+        <p:spPr/>
+        <p:txBody>
+          <a:bodyPr/>
           <a:lstStyle/>
           <a:p>
             <a:r>
               <a:rPr lang="en-GB" dirty="0" smtClean="0"/>
-              <a:t>Gameplay Overview</a:t>
+              <a:t>Basic Overview</a:t>
             </a:r>
             <a:endParaRPr lang="en-GB" dirty="0"/>
           </a:p>
@@ -3071,50 +3066,41 @@
       </p:sp>
       <p:sp>
         <p:nvSpPr>
-          <p:cNvPr id="3" name="Picture Placeholder 2"/>
-          <p:cNvSpPr>
-            <a:spLocks noGrp="1"/>
-          </p:cNvSpPr>
-          <p:nvPr>
-            <p:ph type="pic" idx="1"/>
-          </p:nvPr>
-        </p:nvSpPr>
-        <p:spPr/>
-      </p:sp>
-      <p:sp>
-        <p:nvSpPr>
-          <p:cNvPr id="4" name="Text Placeholder 3"/>
-          <p:cNvSpPr>
-            <a:spLocks noGrp="1"/>
-          </p:cNvSpPr>
-          <p:nvPr>
-            <p:ph type="body" sz="half" idx="2"/>
-          </p:nvPr>
-        </p:nvSpPr>
-        <p:spPr>
-          <a:xfrm>
-            <a:off x="839788" y="1498658"/>
-            <a:ext cx="3932237" cy="4370330"/>
-          </a:xfrm>
-        </p:spPr>
-        <p:txBody>
-          <a:bodyPr/>
-          <a:lstStyle/>
-          <a:p>
-            <a:pPr marL="285750" indent="-285750">
-              <a:buFontTx/>
-              <a:buChar char="-"/>
-            </a:pPr>
+          <p:cNvPr id="3" name="Content Placeholder 2"/>
+          <p:cNvSpPr>
+            <a:spLocks noGrp="1"/>
+          </p:cNvSpPr>
+          <p:nvPr>
+            <p:ph idx="1"/>
+          </p:nvPr>
+        </p:nvSpPr>
+        <p:spPr/>
+        <p:txBody>
+          <a:bodyPr/>
+          <a:lstStyle/>
+          <a:p>
             <a:r>
               <a:rPr lang="en-GB" dirty="0" smtClean="0"/>
-              <a:t>Third Person View</a:t>
-            </a:r>
-          </a:p>
-          <a:p>
-            <a:pPr marL="285750" indent="-285750">
-              <a:buFontTx/>
-              <a:buChar char="-"/>
-            </a:pPr>
+              <a:t>You are a piece of Bacon causing chaos in restaurants and cafes.</a:t>
+            </a:r>
+          </a:p>
+          <a:p>
+            <a:r>
+              <a:rPr lang="en-GB" dirty="0" smtClean="0"/>
+              <a:t>Your objectives are to mess up the customers orders and to save the other ingredients from being eaten.</a:t>
+            </a:r>
+          </a:p>
+          <a:p>
+            <a:r>
+              <a:rPr lang="en-GB" dirty="0" smtClean="0"/>
+              <a:t>You will spawn on the floor and have to work your way up using some objects (parkour). </a:t>
+            </a:r>
+            <a:endParaRPr lang="en-GB" dirty="0" smtClean="0"/>
+          </a:p>
+          <a:p>
+            <a:endParaRPr lang="en-GB" dirty="0"/>
+          </a:p>
+          <a:p>
             <a:endParaRPr lang="en-GB" dirty="0"/>
           </a:p>
         </p:txBody>
@@ -3122,7 +3108,7 @@
     </p:spTree>
     <p:extLst>
       <p:ext uri="{BB962C8B-B14F-4D97-AF65-F5344CB8AC3E}">
-        <p14:creationId xmlns:p14="http://schemas.microsoft.com/office/powerpoint/2010/main" val="3665337262"/>
+        <p14:creationId xmlns:p14="http://schemas.microsoft.com/office/powerpoint/2010/main" val="242009085"/>
       </p:ext>
     </p:extLst>
   </p:cSld>
@@ -3164,7 +3150,11 @@
           <a:bodyPr/>
           <a:lstStyle/>
           <a:p>
-            <a:endParaRPr lang="en-GB"/>
+            <a:r>
+              <a:rPr lang="en-GB" dirty="0" smtClean="0"/>
+              <a:t>Map Design Inspiration</a:t>
+            </a:r>
+            <a:endParaRPr lang="en-GB" dirty="0"/>
           </a:p>
         </p:txBody>
       </p:sp>
@@ -3178,28 +3168,57 @@
             <p:ph idx="1"/>
           </p:nvPr>
         </p:nvSpPr>
-        <p:spPr/>
-        <p:txBody>
-          <a:bodyPr/>
-          <a:lstStyle/>
-          <a:p>
-            <a:r>
-              <a:rPr lang="en-GB" dirty="0" smtClean="0"/>
+        <p:spPr>
+          <a:xfrm>
+            <a:off x="838200" y="1825625"/>
+            <a:ext cx="5122025" cy="4351338"/>
+          </a:xfrm>
+        </p:spPr>
+        <p:txBody>
+          <a:bodyPr>
+            <a:normAutofit/>
+          </a:bodyPr>
+          <a:lstStyle/>
+          <a:p>
+            <a:r>
+              <a:rPr lang="en-GB" sz="2000" dirty="0" smtClean="0"/>
               <a:t>A map that sort of inspired me was </a:t>
             </a:r>
             <a:r>
-              <a:rPr lang="en-GB" dirty="0" err="1" smtClean="0"/>
+              <a:rPr lang="en-GB" sz="2000" dirty="0" err="1" smtClean="0"/>
               <a:t>de_rats</a:t>
             </a:r>
             <a:r>
-              <a:rPr lang="en-GB" dirty="0" smtClean="0"/>
-              <a:t> from </a:t>
-            </a:r>
-            <a:r>
-              <a:rPr lang="en-GB" smtClean="0"/>
-              <a:t>counter strike.</a:t>
-            </a:r>
-            <a:endParaRPr lang="en-GB"/>
+              <a:rPr lang="en-GB" sz="2000" dirty="0" smtClean="0"/>
+              <a:t> from counter strike</a:t>
+            </a:r>
+            <a:r>
+              <a:rPr lang="en-GB" sz="2000" dirty="0" smtClean="0"/>
+              <a:t>.</a:t>
+            </a:r>
+          </a:p>
+          <a:p>
+            <a:r>
+              <a:rPr lang="en-GB" sz="2000" dirty="0" smtClean="0"/>
+              <a:t>This map is a good example of how I would like the map to play out with the player being a small character in a big area.</a:t>
+            </a:r>
+          </a:p>
+          <a:p>
+            <a:r>
+              <a:rPr lang="en-GB" sz="2000" dirty="0" smtClean="0"/>
+              <a:t>But unlike </a:t>
+            </a:r>
+            <a:r>
+              <a:rPr lang="en-GB" sz="2000" dirty="0" err="1" smtClean="0"/>
+              <a:t>de_rats</a:t>
+            </a:r>
+            <a:r>
+              <a:rPr lang="en-GB" sz="2000" dirty="0" smtClean="0"/>
+              <a:t> I would use focus slightly more on parkour aspect so it would make the game a bit more challenging for the players.</a:t>
+            </a:r>
+          </a:p>
+          <a:p>
+            <a:endParaRPr lang="en-GB" sz="2000" dirty="0"/>
           </a:p>
         </p:txBody>
       </p:sp>
@@ -3243,57 +3262,189 @@
             <p:ph type="title"/>
           </p:nvPr>
         </p:nvSpPr>
-        <p:spPr/>
-        <p:txBody>
-          <a:bodyPr/>
-          <a:lstStyle/>
-          <a:p>
-            <a:endParaRPr lang="en-GB"/>
-          </a:p>
-        </p:txBody>
-      </p:sp>
-      <p:sp>
-        <p:nvSpPr>
-          <p:cNvPr id="3" name="Content Placeholder 2"/>
-          <p:cNvSpPr>
-            <a:spLocks noGrp="1"/>
-          </p:cNvSpPr>
-          <p:nvPr>
-            <p:ph idx="1"/>
-          </p:nvPr>
-        </p:nvSpPr>
-        <p:spPr/>
-        <p:txBody>
-          <a:bodyPr/>
+        <p:spPr>
+          <a:xfrm>
+            <a:off x="839788" y="374361"/>
+            <a:ext cx="4189413" cy="697981"/>
+          </a:xfrm>
+        </p:spPr>
+        <p:txBody>
+          <a:bodyPr>
+            <a:normAutofit/>
+          </a:bodyPr>
           <a:lstStyle/>
           <a:p>
             <a:r>
               <a:rPr lang="en-GB" dirty="0" smtClean="0"/>
-              <a:t>You are a piece of Bacon causing chaos in restaurants and cafes.</a:t>
-            </a:r>
-          </a:p>
-          <a:p>
+              <a:t>Gameplay Overview</a:t>
+            </a:r>
+            <a:endParaRPr lang="en-GB" dirty="0"/>
+          </a:p>
+        </p:txBody>
+      </p:sp>
+      <p:sp>
+        <p:nvSpPr>
+          <p:cNvPr id="3" name="Picture Placeholder 2"/>
+          <p:cNvSpPr>
+            <a:spLocks noGrp="1"/>
+          </p:cNvSpPr>
+          <p:nvPr>
+            <p:ph type="pic" idx="1"/>
+          </p:nvPr>
+        </p:nvSpPr>
+        <p:spPr/>
+      </p:sp>
+      <p:sp>
+        <p:nvSpPr>
+          <p:cNvPr id="4" name="Text Placeholder 3"/>
+          <p:cNvSpPr>
+            <a:spLocks noGrp="1"/>
+          </p:cNvSpPr>
+          <p:nvPr>
+            <p:ph type="body" sz="half" idx="2"/>
+          </p:nvPr>
+        </p:nvSpPr>
+        <p:spPr>
+          <a:xfrm>
+            <a:off x="839788" y="1239072"/>
+            <a:ext cx="3932237" cy="4370330"/>
+          </a:xfrm>
+        </p:spPr>
+        <p:txBody>
+          <a:bodyPr/>
+          <a:lstStyle/>
+          <a:p>
+            <a:pPr marL="285750" indent="-285750">
+              <a:buFont typeface="Arial" panose="020B0604020202020204" pitchFamily="34" charset="0"/>
+              <a:buChar char="•"/>
+            </a:pPr>
             <a:r>
               <a:rPr lang="en-GB" dirty="0" smtClean="0"/>
-              <a:t>Your objectives are to mess up the customers orders and to save the other ingredients from being eaten.</a:t>
-            </a:r>
-          </a:p>
-          <a:p>
+              <a:t>Third Person </a:t>
+            </a:r>
             <a:r>
               <a:rPr lang="en-GB" dirty="0" smtClean="0"/>
-              <a:t>You will spawn on the floor and have to work your way up using some objects (parkour). </a:t>
+              <a:t>View</a:t>
             </a:r>
             <a:endParaRPr lang="en-GB" dirty="0"/>
           </a:p>
           <a:p>
-            <a:endParaRPr lang="en-GB" dirty="0"/>
+            <a:pPr marL="285750" indent="-285750">
+              <a:buFont typeface="Arial" panose="020B0604020202020204" pitchFamily="34" charset="0"/>
+              <a:buChar char="•"/>
+            </a:pPr>
+            <a:r>
+              <a:rPr lang="en-GB" dirty="0" smtClean="0"/>
+              <a:t>3D Platformer</a:t>
+            </a:r>
+          </a:p>
+          <a:p>
+            <a:pPr marL="285750" indent="-285750">
+              <a:buFont typeface="Arial" panose="020B0604020202020204" pitchFamily="34" charset="0"/>
+              <a:buChar char="•"/>
+            </a:pPr>
+            <a:endParaRPr lang="en-GB" dirty="0" smtClean="0"/>
           </a:p>
         </p:txBody>
       </p:sp>
     </p:spTree>
     <p:extLst>
       <p:ext uri="{BB962C8B-B14F-4D97-AF65-F5344CB8AC3E}">
-        <p14:creationId xmlns:p14="http://schemas.microsoft.com/office/powerpoint/2010/main" val="242009085"/>
+        <p14:creationId xmlns:p14="http://schemas.microsoft.com/office/powerpoint/2010/main" val="3665337262"/>
+      </p:ext>
+    </p:extLst>
+  </p:cSld>
+  <p:clrMapOvr>
+    <a:masterClrMapping/>
+  </p:clrMapOvr>
+</p:sld>
+</file>
+
+<file path=ppt/slides/slide5.xml><?xml version="1.0" encoding="utf-8"?>
+<p:sld xmlns:a="http://schemas.openxmlformats.org/drawingml/2006/main" xmlns:r="http://schemas.openxmlformats.org/officeDocument/2006/relationships" xmlns:p="http://schemas.openxmlformats.org/presentationml/2006/main">
+  <p:cSld>
+    <p:spTree>
+      <p:nvGrpSpPr>
+        <p:cNvPr id="1" name=""/>
+        <p:cNvGrpSpPr/>
+        <p:nvPr/>
+      </p:nvGrpSpPr>
+      <p:grpSpPr>
+        <a:xfrm>
+          <a:off x="0" y="0"/>
+          <a:ext cx="0" cy="0"/>
+          <a:chOff x="0" y="0"/>
+          <a:chExt cx="0" cy="0"/>
+        </a:xfrm>
+      </p:grpSpPr>
+      <p:sp>
+        <p:nvSpPr>
+          <p:cNvPr id="2" name="Title 1"/>
+          <p:cNvSpPr>
+            <a:spLocks noGrp="1"/>
+          </p:cNvSpPr>
+          <p:nvPr>
+            <p:ph type="title"/>
+          </p:nvPr>
+        </p:nvSpPr>
+        <p:spPr>
+          <a:xfrm>
+            <a:off x="839788" y="457200"/>
+            <a:ext cx="4048096" cy="1172095"/>
+          </a:xfrm>
+        </p:spPr>
+        <p:txBody>
+          <a:bodyPr/>
+          <a:lstStyle/>
+          <a:p>
+            <a:r>
+              <a:rPr lang="en-GB" dirty="0" smtClean="0"/>
+              <a:t>How this is achievable?</a:t>
+            </a:r>
+            <a:endParaRPr lang="en-GB" dirty="0"/>
+          </a:p>
+        </p:txBody>
+      </p:sp>
+      <p:sp>
+        <p:nvSpPr>
+          <p:cNvPr id="3" name="Picture Placeholder 2"/>
+          <p:cNvSpPr>
+            <a:spLocks noGrp="1"/>
+          </p:cNvSpPr>
+          <p:nvPr>
+            <p:ph type="pic" idx="1"/>
+          </p:nvPr>
+        </p:nvSpPr>
+        <p:spPr/>
+      </p:sp>
+      <p:sp>
+        <p:nvSpPr>
+          <p:cNvPr id="4" name="Text Placeholder 3"/>
+          <p:cNvSpPr>
+            <a:spLocks noGrp="1"/>
+          </p:cNvSpPr>
+          <p:nvPr>
+            <p:ph type="body" sz="half" idx="2"/>
+          </p:nvPr>
+        </p:nvSpPr>
+        <p:spPr>
+          <a:xfrm>
+            <a:off x="839788" y="1820487"/>
+            <a:ext cx="3932237" cy="4048501"/>
+          </a:xfrm>
+        </p:spPr>
+        <p:txBody>
+          <a:bodyPr/>
+          <a:lstStyle/>
+          <a:p>
+            <a:endParaRPr lang="en-GB" dirty="0"/>
+          </a:p>
+        </p:txBody>
+      </p:sp>
+    </p:spTree>
+    <p:extLst>
+      <p:ext uri="{BB962C8B-B14F-4D97-AF65-F5344CB8AC3E}">
+        <p14:creationId xmlns:p14="http://schemas.microsoft.com/office/powerpoint/2010/main" val="3198431730"/>
       </p:ext>
     </p:extLst>
   </p:cSld>

--- a/College/FMP/Bacon Bandit.pptx
+++ b/College/FMP/Bacon Bandit.pptx
@@ -3098,6 +3098,17 @@
             <a:endParaRPr lang="en-GB" dirty="0" smtClean="0"/>
           </a:p>
           <a:p>
+            <a:r>
+              <a:rPr lang="en-GB" dirty="0" smtClean="0"/>
+              <a:t>In this game you will need to cause mischief by saving other items of food from the people eating and cooking </a:t>
+            </a:r>
+            <a:r>
+              <a:rPr lang="en-GB" smtClean="0"/>
+              <a:t>the food.</a:t>
+            </a:r>
+            <a:endParaRPr lang="en-GB" dirty="0" smtClean="0"/>
+          </a:p>
+          <a:p>
             <a:endParaRPr lang="en-GB" dirty="0"/>
           </a:p>
           <a:p>

--- a/College/FMP/Bacon Bandit.pptx
+++ b/College/FMP/Bacon Bandit.pptx
@@ -8,8 +8,11 @@
     <p:sldId id="256" r:id="rId2"/>
     <p:sldId id="258" r:id="rId3"/>
     <p:sldId id="259" r:id="rId4"/>
-    <p:sldId id="257" r:id="rId5"/>
-    <p:sldId id="260" r:id="rId6"/>
+    <p:sldId id="262" r:id="rId5"/>
+    <p:sldId id="263" r:id="rId6"/>
+    <p:sldId id="264" r:id="rId7"/>
+    <p:sldId id="261" r:id="rId8"/>
+    <p:sldId id="260" r:id="rId9"/>
   </p:sldIdLst>
   <p:sldSz cx="12192000" cy="6858000"/>
   <p:notesSz cx="6858000" cy="9144000"/>
@@ -247,7 +250,7 @@
           <a:p>
             <a:fld id="{8C73A8CE-8DBE-4846-85EC-5C6E1CEE8DAD}" type="datetimeFigureOut">
               <a:rPr lang="en-GB" smtClean="0"/>
-              <a:t>22/11/2019</a:t>
+              <a:t>25/11/2019</a:t>
             </a:fld>
             <a:endParaRPr lang="en-GB"/>
           </a:p>
@@ -417,7 +420,7 @@
           <a:p>
             <a:fld id="{8C73A8CE-8DBE-4846-85EC-5C6E1CEE8DAD}" type="datetimeFigureOut">
               <a:rPr lang="en-GB" smtClean="0"/>
-              <a:t>22/11/2019</a:t>
+              <a:t>25/11/2019</a:t>
             </a:fld>
             <a:endParaRPr lang="en-GB"/>
           </a:p>
@@ -597,7 +600,7 @@
           <a:p>
             <a:fld id="{8C73A8CE-8DBE-4846-85EC-5C6E1CEE8DAD}" type="datetimeFigureOut">
               <a:rPr lang="en-GB" smtClean="0"/>
-              <a:t>22/11/2019</a:t>
+              <a:t>25/11/2019</a:t>
             </a:fld>
             <a:endParaRPr lang="en-GB"/>
           </a:p>
@@ -767,7 +770,7 @@
           <a:p>
             <a:fld id="{8C73A8CE-8DBE-4846-85EC-5C6E1CEE8DAD}" type="datetimeFigureOut">
               <a:rPr lang="en-GB" smtClean="0"/>
-              <a:t>22/11/2019</a:t>
+              <a:t>25/11/2019</a:t>
             </a:fld>
             <a:endParaRPr lang="en-GB"/>
           </a:p>
@@ -1013,7 +1016,7 @@
           <a:p>
             <a:fld id="{8C73A8CE-8DBE-4846-85EC-5C6E1CEE8DAD}" type="datetimeFigureOut">
               <a:rPr lang="en-GB" smtClean="0"/>
-              <a:t>22/11/2019</a:t>
+              <a:t>25/11/2019</a:t>
             </a:fld>
             <a:endParaRPr lang="en-GB"/>
           </a:p>
@@ -1245,7 +1248,7 @@
           <a:p>
             <a:fld id="{8C73A8CE-8DBE-4846-85EC-5C6E1CEE8DAD}" type="datetimeFigureOut">
               <a:rPr lang="en-GB" smtClean="0"/>
-              <a:t>22/11/2019</a:t>
+              <a:t>25/11/2019</a:t>
             </a:fld>
             <a:endParaRPr lang="en-GB"/>
           </a:p>
@@ -1612,7 +1615,7 @@
           <a:p>
             <a:fld id="{8C73A8CE-8DBE-4846-85EC-5C6E1CEE8DAD}" type="datetimeFigureOut">
               <a:rPr lang="en-GB" smtClean="0"/>
-              <a:t>22/11/2019</a:t>
+              <a:t>25/11/2019</a:t>
             </a:fld>
             <a:endParaRPr lang="en-GB"/>
           </a:p>
@@ -1730,7 +1733,7 @@
           <a:p>
             <a:fld id="{8C73A8CE-8DBE-4846-85EC-5C6E1CEE8DAD}" type="datetimeFigureOut">
               <a:rPr lang="en-GB" smtClean="0"/>
-              <a:t>22/11/2019</a:t>
+              <a:t>25/11/2019</a:t>
             </a:fld>
             <a:endParaRPr lang="en-GB"/>
           </a:p>
@@ -1825,7 +1828,7 @@
           <a:p>
             <a:fld id="{8C73A8CE-8DBE-4846-85EC-5C6E1CEE8DAD}" type="datetimeFigureOut">
               <a:rPr lang="en-GB" smtClean="0"/>
-              <a:t>22/11/2019</a:t>
+              <a:t>25/11/2019</a:t>
             </a:fld>
             <a:endParaRPr lang="en-GB"/>
           </a:p>
@@ -2102,7 +2105,7 @@
           <a:p>
             <a:fld id="{8C73A8CE-8DBE-4846-85EC-5C6E1CEE8DAD}" type="datetimeFigureOut">
               <a:rPr lang="en-GB" smtClean="0"/>
-              <a:t>22/11/2019</a:t>
+              <a:t>25/11/2019</a:t>
             </a:fld>
             <a:endParaRPr lang="en-GB"/>
           </a:p>
@@ -2355,7 +2358,7 @@
           <a:p>
             <a:fld id="{8C73A8CE-8DBE-4846-85EC-5C6E1CEE8DAD}" type="datetimeFigureOut">
               <a:rPr lang="en-GB" smtClean="0"/>
-              <a:t>22/11/2019</a:t>
+              <a:t>25/11/2019</a:t>
             </a:fld>
             <a:endParaRPr lang="en-GB"/>
           </a:p>
@@ -2568,7 +2571,7 @@
           <a:p>
             <a:fld id="{8C73A8CE-8DBE-4846-85EC-5C6E1CEE8DAD}" type="datetimeFigureOut">
               <a:rPr lang="en-GB" smtClean="0"/>
-              <a:t>22/11/2019</a:t>
+              <a:t>25/11/2019</a:t>
             </a:fld>
             <a:endParaRPr lang="en-GB"/>
           </a:p>
@@ -3095,18 +3098,12 @@
               <a:rPr lang="en-GB" dirty="0" smtClean="0"/>
               <a:t>You will spawn on the floor and have to work your way up using some objects (parkour). </a:t>
             </a:r>
-            <a:endParaRPr lang="en-GB" dirty="0" smtClean="0"/>
           </a:p>
           <a:p>
             <a:r>
               <a:rPr lang="en-GB" dirty="0" smtClean="0"/>
-              <a:t>In this game you will need to cause mischief by saving other items of food from the people eating and cooking </a:t>
-            </a:r>
-            <a:r>
-              <a:rPr lang="en-GB" smtClean="0"/>
-              <a:t>the food.</a:t>
-            </a:r>
-            <a:endParaRPr lang="en-GB" dirty="0" smtClean="0"/>
+              <a:t>In this game you will need to cause mischief by saving other items of food from the people eating and cooking the food.</a:t>
+            </a:r>
           </a:p>
           <a:p>
             <a:endParaRPr lang="en-GB" dirty="0"/>
@@ -3126,6 +3123,13 @@
   <p:clrMapOvr>
     <a:masterClrMapping/>
   </p:clrMapOvr>
+  <p:timing>
+    <p:tnLst>
+      <p:par>
+        <p:cTn id="1" dur="indefinite" restart="never" nodeType="tmRoot"/>
+      </p:par>
+    </p:tnLst>
+  </p:timing>
 </p:sld>
 </file>
 
@@ -3181,7 +3185,7 @@
         </p:nvSpPr>
         <p:spPr>
           <a:xfrm>
-            <a:off x="838200" y="1825625"/>
+            <a:off x="838200" y="2033442"/>
             <a:ext cx="5122025" cy="4351338"/>
           </a:xfrm>
         </p:spPr>
@@ -3201,11 +3205,7 @@
             </a:r>
             <a:r>
               <a:rPr lang="en-GB" sz="2000" dirty="0" smtClean="0"/>
-              <a:t> from counter strike</a:t>
-            </a:r>
-            <a:r>
-              <a:rPr lang="en-GB" sz="2000" dirty="0" smtClean="0"/>
-              <a:t>.</a:t>
+              <a:t> from counter strike.</a:t>
             </a:r>
           </a:p>
           <a:p>
@@ -3233,6 +3233,96 @@
           </a:p>
         </p:txBody>
       </p:sp>
+      <p:pic>
+        <p:nvPicPr>
+          <p:cNvPr id="5" name="Picture 4"/>
+          <p:cNvPicPr>
+            <a:picLocks noChangeAspect="1"/>
+          </p:cNvPicPr>
+          <p:nvPr/>
+        </p:nvPicPr>
+        <p:blipFill>
+          <a:blip r:embed="rId2">
+            <a:extLst>
+              <a:ext uri="{28A0092B-C50C-407E-A947-70E740481C1C}">
+                <a14:useLocalDpi xmlns:a14="http://schemas.microsoft.com/office/drawing/2010/main" val="0"/>
+              </a:ext>
+            </a:extLst>
+          </a:blip>
+          <a:stretch>
+            <a:fillRect/>
+          </a:stretch>
+        </p:blipFill>
+        <p:spPr>
+          <a:xfrm>
+            <a:off x="7573637" y="509774"/>
+            <a:ext cx="3453872" cy="1934168"/>
+          </a:xfrm>
+          <a:prstGeom prst="rect">
+            <a:avLst/>
+          </a:prstGeom>
+        </p:spPr>
+      </p:pic>
+      <p:pic>
+        <p:nvPicPr>
+          <p:cNvPr id="6" name="Picture 5"/>
+          <p:cNvPicPr>
+            <a:picLocks noChangeAspect="1"/>
+          </p:cNvPicPr>
+          <p:nvPr/>
+        </p:nvPicPr>
+        <p:blipFill>
+          <a:blip r:embed="rId3">
+            <a:extLst>
+              <a:ext uri="{28A0092B-C50C-407E-A947-70E740481C1C}">
+                <a14:useLocalDpi xmlns:a14="http://schemas.microsoft.com/office/drawing/2010/main" val="0"/>
+              </a:ext>
+            </a:extLst>
+          </a:blip>
+          <a:stretch>
+            <a:fillRect/>
+          </a:stretch>
+        </p:blipFill>
+        <p:spPr>
+          <a:xfrm>
+            <a:off x="7573637" y="2443942"/>
+            <a:ext cx="3455639" cy="1935158"/>
+          </a:xfrm>
+          <a:prstGeom prst="rect">
+            <a:avLst/>
+          </a:prstGeom>
+        </p:spPr>
+      </p:pic>
+      <p:pic>
+        <p:nvPicPr>
+          <p:cNvPr id="7" name="Picture 6"/>
+          <p:cNvPicPr>
+            <a:picLocks noChangeAspect="1"/>
+          </p:cNvPicPr>
+          <p:nvPr/>
+        </p:nvPicPr>
+        <p:blipFill>
+          <a:blip r:embed="rId4" cstate="print">
+            <a:extLst>
+              <a:ext uri="{28A0092B-C50C-407E-A947-70E740481C1C}">
+                <a14:useLocalDpi xmlns:a14="http://schemas.microsoft.com/office/drawing/2010/main" val="0"/>
+              </a:ext>
+            </a:extLst>
+          </a:blip>
+          <a:stretch>
+            <a:fillRect/>
+          </a:stretch>
+        </p:blipFill>
+        <p:spPr>
+          <a:xfrm>
+            <a:off x="7573637" y="4379100"/>
+            <a:ext cx="3453872" cy="1942803"/>
+          </a:xfrm>
+          <a:prstGeom prst="rect">
+            <a:avLst/>
+          </a:prstGeom>
+        </p:spPr>
+      </p:pic>
     </p:spTree>
     <p:extLst>
       <p:ext uri="{BB962C8B-B14F-4D97-AF65-F5344CB8AC3E}">
@@ -3243,6 +3333,13 @@
   <p:clrMapOvr>
     <a:masterClrMapping/>
   </p:clrMapOvr>
+  <p:timing>
+    <p:tnLst>
+      <p:par>
+        <p:cTn id="1" dur="indefinite" restart="never" nodeType="tmRoot"/>
+      </p:par>
+    </p:tnLst>
+  </p:timing>
 </p:sld>
 </file>
 
@@ -3273,10 +3370,37 @@
             <p:ph type="title"/>
           </p:nvPr>
         </p:nvSpPr>
+        <p:spPr/>
+        <p:txBody>
+          <a:bodyPr/>
+          <a:lstStyle/>
+          <a:p>
+            <a:r>
+              <a:rPr lang="en-GB" dirty="0" smtClean="0"/>
+              <a:t>Sounds</a:t>
+            </a:r>
+            <a:r>
+              <a:rPr lang="en-GB" dirty="0" smtClean="0"/>
+              <a:t>.</a:t>
+            </a:r>
+            <a:endParaRPr lang="en-GB" dirty="0"/>
+          </a:p>
+        </p:txBody>
+      </p:sp>
+      <p:sp>
+        <p:nvSpPr>
+          <p:cNvPr id="3" name="Content Placeholder 2"/>
+          <p:cNvSpPr>
+            <a:spLocks noGrp="1"/>
+          </p:cNvSpPr>
+          <p:nvPr>
+            <p:ph idx="1"/>
+          </p:nvPr>
+        </p:nvSpPr>
         <p:spPr>
           <a:xfrm>
-            <a:off x="839788" y="374361"/>
-            <a:ext cx="4189413" cy="697981"/>
+            <a:off x="838200" y="2033442"/>
+            <a:ext cx="5122025" cy="4351338"/>
           </a:xfrm>
         </p:spPr>
         <p:txBody>
@@ -3285,89 +3409,27 @@
           </a:bodyPr>
           <a:lstStyle/>
           <a:p>
-            <a:r>
-              <a:rPr lang="en-GB" dirty="0" smtClean="0"/>
-              <a:t>Gameplay Overview</a:t>
-            </a:r>
-            <a:endParaRPr lang="en-GB" dirty="0"/>
-          </a:p>
-        </p:txBody>
-      </p:sp>
-      <p:sp>
-        <p:nvSpPr>
-          <p:cNvPr id="3" name="Picture Placeholder 2"/>
-          <p:cNvSpPr>
-            <a:spLocks noGrp="1"/>
-          </p:cNvSpPr>
-          <p:nvPr>
-            <p:ph type="pic" idx="1"/>
-          </p:nvPr>
-        </p:nvSpPr>
-        <p:spPr/>
-      </p:sp>
-      <p:sp>
-        <p:nvSpPr>
-          <p:cNvPr id="4" name="Text Placeholder 3"/>
-          <p:cNvSpPr>
-            <a:spLocks noGrp="1"/>
-          </p:cNvSpPr>
-          <p:nvPr>
-            <p:ph type="body" sz="half" idx="2"/>
-          </p:nvPr>
-        </p:nvSpPr>
-        <p:spPr>
-          <a:xfrm>
-            <a:off x="839788" y="1239072"/>
-            <a:ext cx="3932237" cy="4370330"/>
-          </a:xfrm>
-        </p:spPr>
-        <p:txBody>
-          <a:bodyPr/>
-          <a:lstStyle/>
-          <a:p>
-            <a:pPr marL="285750" indent="-285750">
-              <a:buFont typeface="Arial" panose="020B0604020202020204" pitchFamily="34" charset="0"/>
-              <a:buChar char="•"/>
-            </a:pPr>
-            <a:r>
-              <a:rPr lang="en-GB" dirty="0" smtClean="0"/>
-              <a:t>Third Person </a:t>
-            </a:r>
-            <a:r>
-              <a:rPr lang="en-GB" dirty="0" smtClean="0"/>
-              <a:t>View</a:t>
-            </a:r>
-            <a:endParaRPr lang="en-GB" dirty="0"/>
-          </a:p>
-          <a:p>
-            <a:pPr marL="285750" indent="-285750">
-              <a:buFont typeface="Arial" panose="020B0604020202020204" pitchFamily="34" charset="0"/>
-              <a:buChar char="•"/>
-            </a:pPr>
-            <a:r>
-              <a:rPr lang="en-GB" dirty="0" smtClean="0"/>
-              <a:t>3D Platformer</a:t>
-            </a:r>
-          </a:p>
-          <a:p>
-            <a:pPr marL="285750" indent="-285750">
-              <a:buFont typeface="Arial" panose="020B0604020202020204" pitchFamily="34" charset="0"/>
-              <a:buChar char="•"/>
-            </a:pPr>
-            <a:endParaRPr lang="en-GB" dirty="0" smtClean="0"/>
+            <a:endParaRPr lang="en-GB" sz="2000" dirty="0"/>
           </a:p>
         </p:txBody>
       </p:sp>
     </p:spTree>
     <p:extLst>
       <p:ext uri="{BB962C8B-B14F-4D97-AF65-F5344CB8AC3E}">
-        <p14:creationId xmlns:p14="http://schemas.microsoft.com/office/powerpoint/2010/main" val="3665337262"/>
+        <p14:creationId xmlns:p14="http://schemas.microsoft.com/office/powerpoint/2010/main" val="3665447793"/>
       </p:ext>
     </p:extLst>
   </p:cSld>
   <p:clrMapOvr>
     <a:masterClrMapping/>
   </p:clrMapOvr>
+  <p:timing>
+    <p:tnLst>
+      <p:par>
+        <p:cTn id="1" dur="indefinite" restart="never" nodeType="tmRoot"/>
+      </p:par>
+    </p:tnLst>
+  </p:timing>
 </p:sld>
 </file>
 
@@ -3398,70 +3460,346 @@
             <p:ph type="title"/>
           </p:nvPr>
         </p:nvSpPr>
+        <p:spPr/>
+        <p:txBody>
+          <a:bodyPr/>
+          <a:lstStyle/>
+          <a:p>
+            <a:r>
+              <a:rPr lang="en-GB" dirty="0" smtClean="0"/>
+              <a:t>Prototype</a:t>
+            </a:r>
+            <a:r>
+              <a:rPr lang="en-GB" dirty="0" smtClean="0"/>
+              <a:t>.</a:t>
+            </a:r>
+            <a:endParaRPr lang="en-GB" dirty="0"/>
+          </a:p>
+        </p:txBody>
+      </p:sp>
+      <p:sp>
+        <p:nvSpPr>
+          <p:cNvPr id="3" name="Content Placeholder 2"/>
+          <p:cNvSpPr>
+            <a:spLocks noGrp="1"/>
+          </p:cNvSpPr>
+          <p:nvPr>
+            <p:ph idx="1"/>
+          </p:nvPr>
+        </p:nvSpPr>
         <p:spPr>
           <a:xfrm>
-            <a:off x="839788" y="457200"/>
-            <a:ext cx="4048096" cy="1172095"/>
+            <a:off x="838200" y="2033442"/>
+            <a:ext cx="5122025" cy="4351338"/>
           </a:xfrm>
         </p:spPr>
         <p:txBody>
-          <a:bodyPr/>
-          <a:lstStyle/>
-          <a:p>
-            <a:r>
-              <a:rPr lang="en-GB" dirty="0" smtClean="0"/>
-              <a:t>How this is achievable?</a:t>
-            </a:r>
-            <a:endParaRPr lang="en-GB" dirty="0"/>
-          </a:p>
-        </p:txBody>
-      </p:sp>
-      <p:sp>
-        <p:nvSpPr>
-          <p:cNvPr id="3" name="Picture Placeholder 2"/>
-          <p:cNvSpPr>
-            <a:spLocks noGrp="1"/>
-          </p:cNvSpPr>
-          <p:nvPr>
-            <p:ph type="pic" idx="1"/>
-          </p:nvPr>
-        </p:nvSpPr>
-        <p:spPr/>
-      </p:sp>
-      <p:sp>
-        <p:nvSpPr>
-          <p:cNvPr id="4" name="Text Placeholder 3"/>
-          <p:cNvSpPr>
-            <a:spLocks noGrp="1"/>
-          </p:cNvSpPr>
-          <p:nvPr>
-            <p:ph type="body" sz="half" idx="2"/>
-          </p:nvPr>
-        </p:nvSpPr>
-        <p:spPr>
-          <a:xfrm>
-            <a:off x="839788" y="1820487"/>
-            <a:ext cx="3932237" cy="4048501"/>
-          </a:xfrm>
-        </p:spPr>
-        <p:txBody>
-          <a:bodyPr/>
-          <a:lstStyle/>
-          <a:p>
-            <a:endParaRPr lang="en-GB" dirty="0"/>
+          <a:bodyPr>
+            <a:normAutofit/>
+          </a:bodyPr>
+          <a:lstStyle/>
+          <a:p>
+            <a:endParaRPr lang="en-GB" sz="2000" dirty="0"/>
           </a:p>
         </p:txBody>
       </p:sp>
     </p:spTree>
     <p:extLst>
       <p:ext uri="{BB962C8B-B14F-4D97-AF65-F5344CB8AC3E}">
-        <p14:creationId xmlns:p14="http://schemas.microsoft.com/office/powerpoint/2010/main" val="3198431730"/>
+        <p14:creationId xmlns:p14="http://schemas.microsoft.com/office/powerpoint/2010/main" val="1005365685"/>
       </p:ext>
     </p:extLst>
   </p:cSld>
   <p:clrMapOvr>
     <a:masterClrMapping/>
   </p:clrMapOvr>
+  <p:timing>
+    <p:tnLst>
+      <p:par>
+        <p:cTn id="1" dur="indefinite" restart="never" nodeType="tmRoot"/>
+      </p:par>
+    </p:tnLst>
+  </p:timing>
+</p:sld>
+</file>
+
+<file path=ppt/slides/slide6.xml><?xml version="1.0" encoding="utf-8"?>
+<p:sld xmlns:a="http://schemas.openxmlformats.org/drawingml/2006/main" xmlns:r="http://schemas.openxmlformats.org/officeDocument/2006/relationships" xmlns:p="http://schemas.openxmlformats.org/presentationml/2006/main">
+  <p:cSld>
+    <p:spTree>
+      <p:nvGrpSpPr>
+        <p:cNvPr id="1" name=""/>
+        <p:cNvGrpSpPr/>
+        <p:nvPr/>
+      </p:nvGrpSpPr>
+      <p:grpSpPr>
+        <a:xfrm>
+          <a:off x="0" y="0"/>
+          <a:ext cx="0" cy="0"/>
+          <a:chOff x="0" y="0"/>
+          <a:chExt cx="0" cy="0"/>
+        </a:xfrm>
+      </p:grpSpPr>
+      <p:sp>
+        <p:nvSpPr>
+          <p:cNvPr id="2" name="Title 1"/>
+          <p:cNvSpPr>
+            <a:spLocks noGrp="1"/>
+          </p:cNvSpPr>
+          <p:nvPr>
+            <p:ph type="title"/>
+          </p:nvPr>
+        </p:nvSpPr>
+        <p:spPr/>
+        <p:txBody>
+          <a:bodyPr/>
+          <a:lstStyle/>
+          <a:p>
+            <a:r>
+              <a:rPr lang="en-GB" dirty="0" smtClean="0"/>
+              <a:t>Parkour Animations</a:t>
+            </a:r>
+            <a:r>
+              <a:rPr lang="en-GB" dirty="0" smtClean="0"/>
+              <a:t>.</a:t>
+            </a:r>
+            <a:endParaRPr lang="en-GB" dirty="0"/>
+          </a:p>
+        </p:txBody>
+      </p:sp>
+      <p:sp>
+        <p:nvSpPr>
+          <p:cNvPr id="3" name="Content Placeholder 2"/>
+          <p:cNvSpPr>
+            <a:spLocks noGrp="1"/>
+          </p:cNvSpPr>
+          <p:nvPr>
+            <p:ph idx="1"/>
+          </p:nvPr>
+        </p:nvSpPr>
+        <p:spPr>
+          <a:xfrm>
+            <a:off x="838200" y="2033442"/>
+            <a:ext cx="5122025" cy="4351338"/>
+          </a:xfrm>
+        </p:spPr>
+        <p:txBody>
+          <a:bodyPr>
+            <a:normAutofit/>
+          </a:bodyPr>
+          <a:lstStyle/>
+          <a:p>
+            <a:endParaRPr lang="en-GB" sz="2000" dirty="0"/>
+          </a:p>
+        </p:txBody>
+      </p:sp>
+    </p:spTree>
+    <p:extLst>
+      <p:ext uri="{BB962C8B-B14F-4D97-AF65-F5344CB8AC3E}">
+        <p14:creationId xmlns:p14="http://schemas.microsoft.com/office/powerpoint/2010/main" val="4026563729"/>
+      </p:ext>
+    </p:extLst>
+  </p:cSld>
+  <p:clrMapOvr>
+    <a:masterClrMapping/>
+  </p:clrMapOvr>
+  <p:timing>
+    <p:tnLst>
+      <p:par>
+        <p:cTn id="1" dur="indefinite" restart="never" nodeType="tmRoot"/>
+      </p:par>
+    </p:tnLst>
+  </p:timing>
+</p:sld>
+</file>
+
+<file path=ppt/slides/slide7.xml><?xml version="1.0" encoding="utf-8"?>
+<p:sld xmlns:a="http://schemas.openxmlformats.org/drawingml/2006/main" xmlns:r="http://schemas.openxmlformats.org/officeDocument/2006/relationships" xmlns:p="http://schemas.openxmlformats.org/presentationml/2006/main">
+  <p:cSld>
+    <p:spTree>
+      <p:nvGrpSpPr>
+        <p:cNvPr id="1" name=""/>
+        <p:cNvGrpSpPr/>
+        <p:nvPr/>
+      </p:nvGrpSpPr>
+      <p:grpSpPr>
+        <a:xfrm>
+          <a:off x="0" y="0"/>
+          <a:ext cx="0" cy="0"/>
+          <a:chOff x="0" y="0"/>
+          <a:chExt cx="0" cy="0"/>
+        </a:xfrm>
+      </p:grpSpPr>
+      <p:sp>
+        <p:nvSpPr>
+          <p:cNvPr id="2" name="Title 1"/>
+          <p:cNvSpPr>
+            <a:spLocks noGrp="1"/>
+          </p:cNvSpPr>
+          <p:nvPr>
+            <p:ph type="title"/>
+          </p:nvPr>
+        </p:nvSpPr>
+        <p:spPr/>
+        <p:txBody>
+          <a:bodyPr/>
+          <a:lstStyle/>
+          <a:p>
+            <a:r>
+              <a:rPr lang="en-GB" dirty="0" smtClean="0"/>
+              <a:t>Gameplay Overview</a:t>
+            </a:r>
+            <a:r>
+              <a:rPr lang="en-GB" dirty="0" smtClean="0"/>
+              <a:t>.</a:t>
+            </a:r>
+            <a:endParaRPr lang="en-GB" dirty="0"/>
+          </a:p>
+        </p:txBody>
+      </p:sp>
+      <p:sp>
+        <p:nvSpPr>
+          <p:cNvPr id="3" name="Content Placeholder 2"/>
+          <p:cNvSpPr>
+            <a:spLocks noGrp="1"/>
+          </p:cNvSpPr>
+          <p:nvPr>
+            <p:ph idx="1"/>
+          </p:nvPr>
+        </p:nvSpPr>
+        <p:spPr>
+          <a:xfrm>
+            <a:off x="838200" y="2033442"/>
+            <a:ext cx="5122025" cy="4351338"/>
+          </a:xfrm>
+        </p:spPr>
+        <p:txBody>
+          <a:bodyPr>
+            <a:normAutofit/>
+          </a:bodyPr>
+          <a:lstStyle/>
+          <a:p>
+            <a:r>
+              <a:rPr lang="en-GB" sz="2000" dirty="0" smtClean="0"/>
+              <a:t>This third person</a:t>
+            </a:r>
+          </a:p>
+          <a:p>
+            <a:r>
+              <a:rPr lang="en-GB" sz="2000" dirty="0" smtClean="0"/>
+              <a:t>Hazards</a:t>
+            </a:r>
+            <a:endParaRPr lang="en-GB" sz="2000" dirty="0"/>
+          </a:p>
+        </p:txBody>
+      </p:sp>
+    </p:spTree>
+    <p:extLst>
+      <p:ext uri="{BB962C8B-B14F-4D97-AF65-F5344CB8AC3E}">
+        <p14:creationId xmlns:p14="http://schemas.microsoft.com/office/powerpoint/2010/main" val="2606111224"/>
+      </p:ext>
+    </p:extLst>
+  </p:cSld>
+  <p:clrMapOvr>
+    <a:masterClrMapping/>
+  </p:clrMapOvr>
+  <p:timing>
+    <p:tnLst>
+      <p:par>
+        <p:cTn id="1" dur="indefinite" restart="never" nodeType="tmRoot"/>
+      </p:par>
+    </p:tnLst>
+  </p:timing>
+</p:sld>
+</file>
+
+<file path=ppt/slides/slide8.xml><?xml version="1.0" encoding="utf-8"?>
+<p:sld xmlns:a="http://schemas.openxmlformats.org/drawingml/2006/main" xmlns:r="http://schemas.openxmlformats.org/officeDocument/2006/relationships" xmlns:p="http://schemas.openxmlformats.org/presentationml/2006/main">
+  <p:cSld>
+    <p:spTree>
+      <p:nvGrpSpPr>
+        <p:cNvPr id="1" name=""/>
+        <p:cNvGrpSpPr/>
+        <p:nvPr/>
+      </p:nvGrpSpPr>
+      <p:grpSpPr>
+        <a:xfrm>
+          <a:off x="0" y="0"/>
+          <a:ext cx="0" cy="0"/>
+          <a:chOff x="0" y="0"/>
+          <a:chExt cx="0" cy="0"/>
+        </a:xfrm>
+      </p:grpSpPr>
+      <p:sp>
+        <p:nvSpPr>
+          <p:cNvPr id="2" name="Title 1"/>
+          <p:cNvSpPr>
+            <a:spLocks noGrp="1"/>
+          </p:cNvSpPr>
+          <p:nvPr>
+            <p:ph type="title"/>
+          </p:nvPr>
+        </p:nvSpPr>
+        <p:spPr/>
+        <p:txBody>
+          <a:bodyPr/>
+          <a:lstStyle/>
+          <a:p>
+            <a:r>
+              <a:rPr lang="en-GB" dirty="0"/>
+              <a:t>T</a:t>
+            </a:r>
+            <a:r>
+              <a:rPr lang="en-GB" dirty="0" smtClean="0"/>
+              <a:t>his is achievable.</a:t>
+            </a:r>
+            <a:endParaRPr lang="en-GB" dirty="0"/>
+          </a:p>
+        </p:txBody>
+      </p:sp>
+      <p:sp>
+        <p:nvSpPr>
+          <p:cNvPr id="3" name="Content Placeholder 2"/>
+          <p:cNvSpPr>
+            <a:spLocks noGrp="1"/>
+          </p:cNvSpPr>
+          <p:nvPr>
+            <p:ph idx="1"/>
+          </p:nvPr>
+        </p:nvSpPr>
+        <p:spPr>
+          <a:xfrm>
+            <a:off x="838200" y="2033442"/>
+            <a:ext cx="5122025" cy="4351338"/>
+          </a:xfrm>
+        </p:spPr>
+        <p:txBody>
+          <a:bodyPr>
+            <a:normAutofit/>
+          </a:bodyPr>
+          <a:lstStyle/>
+          <a:p>
+            <a:endParaRPr lang="en-GB" sz="2000" dirty="0"/>
+          </a:p>
+        </p:txBody>
+      </p:sp>
+    </p:spTree>
+    <p:extLst>
+      <p:ext uri="{BB962C8B-B14F-4D97-AF65-F5344CB8AC3E}">
+        <p14:creationId xmlns:p14="http://schemas.microsoft.com/office/powerpoint/2010/main" val="2235104649"/>
+      </p:ext>
+    </p:extLst>
+  </p:cSld>
+  <p:clrMapOvr>
+    <a:masterClrMapping/>
+  </p:clrMapOvr>
+  <p:timing>
+    <p:tnLst>
+      <p:par>
+        <p:cTn id="1" dur="indefinite" restart="never" nodeType="tmRoot"/>
+      </p:par>
+    </p:tnLst>
+  </p:timing>
 </p:sld>
 </file>
 

--- a/College/FMP/Bacon Bandit.pptx
+++ b/College/FMP/Bacon Bandit.pptx
@@ -9,10 +9,10 @@
     <p:sldId id="258" r:id="rId3"/>
     <p:sldId id="259" r:id="rId4"/>
     <p:sldId id="262" r:id="rId5"/>
-    <p:sldId id="263" r:id="rId6"/>
-    <p:sldId id="264" r:id="rId7"/>
-    <p:sldId id="261" r:id="rId8"/>
-    <p:sldId id="260" r:id="rId9"/>
+    <p:sldId id="264" r:id="rId6"/>
+    <p:sldId id="261" r:id="rId7"/>
+    <p:sldId id="260" r:id="rId8"/>
+    <p:sldId id="263" r:id="rId9"/>
   </p:sldIdLst>
   <p:sldSz cx="12192000" cy="6858000"/>
   <p:notesSz cx="6858000" cy="9144000"/>
@@ -250,7 +250,7 @@
           <a:p>
             <a:fld id="{8C73A8CE-8DBE-4846-85EC-5C6E1CEE8DAD}" type="datetimeFigureOut">
               <a:rPr lang="en-GB" smtClean="0"/>
-              <a:t>25/11/2019</a:t>
+              <a:t>26/11/2019</a:t>
             </a:fld>
             <a:endParaRPr lang="en-GB"/>
           </a:p>
@@ -420,7 +420,7 @@
           <a:p>
             <a:fld id="{8C73A8CE-8DBE-4846-85EC-5C6E1CEE8DAD}" type="datetimeFigureOut">
               <a:rPr lang="en-GB" smtClean="0"/>
-              <a:t>25/11/2019</a:t>
+              <a:t>26/11/2019</a:t>
             </a:fld>
             <a:endParaRPr lang="en-GB"/>
           </a:p>
@@ -600,7 +600,7 @@
           <a:p>
             <a:fld id="{8C73A8CE-8DBE-4846-85EC-5C6E1CEE8DAD}" type="datetimeFigureOut">
               <a:rPr lang="en-GB" smtClean="0"/>
-              <a:t>25/11/2019</a:t>
+              <a:t>26/11/2019</a:t>
             </a:fld>
             <a:endParaRPr lang="en-GB"/>
           </a:p>
@@ -770,7 +770,7 @@
           <a:p>
             <a:fld id="{8C73A8CE-8DBE-4846-85EC-5C6E1CEE8DAD}" type="datetimeFigureOut">
               <a:rPr lang="en-GB" smtClean="0"/>
-              <a:t>25/11/2019</a:t>
+              <a:t>26/11/2019</a:t>
             </a:fld>
             <a:endParaRPr lang="en-GB"/>
           </a:p>
@@ -1016,7 +1016,7 @@
           <a:p>
             <a:fld id="{8C73A8CE-8DBE-4846-85EC-5C6E1CEE8DAD}" type="datetimeFigureOut">
               <a:rPr lang="en-GB" smtClean="0"/>
-              <a:t>25/11/2019</a:t>
+              <a:t>26/11/2019</a:t>
             </a:fld>
             <a:endParaRPr lang="en-GB"/>
           </a:p>
@@ -1248,7 +1248,7 @@
           <a:p>
             <a:fld id="{8C73A8CE-8DBE-4846-85EC-5C6E1CEE8DAD}" type="datetimeFigureOut">
               <a:rPr lang="en-GB" smtClean="0"/>
-              <a:t>25/11/2019</a:t>
+              <a:t>26/11/2019</a:t>
             </a:fld>
             <a:endParaRPr lang="en-GB"/>
           </a:p>
@@ -1615,7 +1615,7 @@
           <a:p>
             <a:fld id="{8C73A8CE-8DBE-4846-85EC-5C6E1CEE8DAD}" type="datetimeFigureOut">
               <a:rPr lang="en-GB" smtClean="0"/>
-              <a:t>25/11/2019</a:t>
+              <a:t>26/11/2019</a:t>
             </a:fld>
             <a:endParaRPr lang="en-GB"/>
           </a:p>
@@ -1733,7 +1733,7 @@
           <a:p>
             <a:fld id="{8C73A8CE-8DBE-4846-85EC-5C6E1CEE8DAD}" type="datetimeFigureOut">
               <a:rPr lang="en-GB" smtClean="0"/>
-              <a:t>25/11/2019</a:t>
+              <a:t>26/11/2019</a:t>
             </a:fld>
             <a:endParaRPr lang="en-GB"/>
           </a:p>
@@ -1828,7 +1828,7 @@
           <a:p>
             <a:fld id="{8C73A8CE-8DBE-4846-85EC-5C6E1CEE8DAD}" type="datetimeFigureOut">
               <a:rPr lang="en-GB" smtClean="0"/>
-              <a:t>25/11/2019</a:t>
+              <a:t>26/11/2019</a:t>
             </a:fld>
             <a:endParaRPr lang="en-GB"/>
           </a:p>
@@ -2105,7 +2105,7 @@
           <a:p>
             <a:fld id="{8C73A8CE-8DBE-4846-85EC-5C6E1CEE8DAD}" type="datetimeFigureOut">
               <a:rPr lang="en-GB" smtClean="0"/>
-              <a:t>25/11/2019</a:t>
+              <a:t>26/11/2019</a:t>
             </a:fld>
             <a:endParaRPr lang="en-GB"/>
           </a:p>
@@ -2358,7 +2358,7 @@
           <a:p>
             <a:fld id="{8C73A8CE-8DBE-4846-85EC-5C6E1CEE8DAD}" type="datetimeFigureOut">
               <a:rPr lang="en-GB" smtClean="0"/>
-              <a:t>25/11/2019</a:t>
+              <a:t>26/11/2019</a:t>
             </a:fld>
             <a:endParaRPr lang="en-GB"/>
           </a:p>
@@ -2571,7 +2571,7 @@
           <a:p>
             <a:fld id="{8C73A8CE-8DBE-4846-85EC-5C6E1CEE8DAD}" type="datetimeFigureOut">
               <a:rPr lang="en-GB" smtClean="0"/>
-              <a:t>25/11/2019</a:t>
+              <a:t>26/11/2019</a:t>
             </a:fld>
             <a:endParaRPr lang="en-GB"/>
           </a:p>
@@ -3024,6 +3024,13 @@
   <p:clrMapOvr>
     <a:masterClrMapping/>
   </p:clrMapOvr>
+  <p:timing>
+    <p:tnLst>
+      <p:par>
+        <p:cTn id="1" dur="indefinite" restart="never" nodeType="tmRoot"/>
+      </p:par>
+    </p:tnLst>
+  </p:timing>
 </p:sld>
 </file>
 
@@ -3377,11 +3384,7 @@
           <a:p>
             <a:r>
               <a:rPr lang="en-GB" dirty="0" smtClean="0"/>
-              <a:t>Sounds</a:t>
-            </a:r>
-            <a:r>
-              <a:rPr lang="en-GB" dirty="0" smtClean="0"/>
-              <a:t>.</a:t>
+              <a:t>Sounds.</a:t>
             </a:r>
             <a:endParaRPr lang="en-GB" dirty="0"/>
           </a:p>
@@ -3467,11 +3470,7 @@
           <a:p>
             <a:r>
               <a:rPr lang="en-GB" dirty="0" smtClean="0"/>
-              <a:t>Prototype</a:t>
-            </a:r>
-            <a:r>
-              <a:rPr lang="en-GB" dirty="0" smtClean="0"/>
-              <a:t>.</a:t>
+              <a:t>Parkour Animations.</a:t>
             </a:r>
             <a:endParaRPr lang="en-GB" dirty="0"/>
           </a:p>
@@ -3506,7 +3505,7 @@
     </p:spTree>
     <p:extLst>
       <p:ext uri="{BB962C8B-B14F-4D97-AF65-F5344CB8AC3E}">
-        <p14:creationId xmlns:p14="http://schemas.microsoft.com/office/powerpoint/2010/main" val="1005365685"/>
+        <p14:creationId xmlns:p14="http://schemas.microsoft.com/office/powerpoint/2010/main" val="4026563729"/>
       </p:ext>
     </p:extLst>
   </p:cSld>
@@ -3557,11 +3556,7 @@
           <a:p>
             <a:r>
               <a:rPr lang="en-GB" dirty="0" smtClean="0"/>
-              <a:t>Parkour Animations</a:t>
-            </a:r>
-            <a:r>
-              <a:rPr lang="en-GB" dirty="0" smtClean="0"/>
-              <a:t>.</a:t>
+              <a:t>Gameplay Overview.</a:t>
             </a:r>
             <a:endParaRPr lang="en-GB" dirty="0"/>
           </a:p>
@@ -3589,6 +3584,16 @@
           </a:bodyPr>
           <a:lstStyle/>
           <a:p>
+            <a:r>
+              <a:rPr lang="en-GB" sz="2000" dirty="0" smtClean="0"/>
+              <a:t>This third person</a:t>
+            </a:r>
+          </a:p>
+          <a:p>
+            <a:r>
+              <a:rPr lang="en-GB" sz="2000" dirty="0" smtClean="0"/>
+              <a:t>Hazards</a:t>
+            </a:r>
             <a:endParaRPr lang="en-GB" sz="2000" dirty="0"/>
           </a:p>
         </p:txBody>
@@ -3596,7 +3601,7 @@
     </p:spTree>
     <p:extLst>
       <p:ext uri="{BB962C8B-B14F-4D97-AF65-F5344CB8AC3E}">
-        <p14:creationId xmlns:p14="http://schemas.microsoft.com/office/powerpoint/2010/main" val="4026563729"/>
+        <p14:creationId xmlns:p14="http://schemas.microsoft.com/office/powerpoint/2010/main" val="2606111224"/>
       </p:ext>
     </p:extLst>
   </p:cSld>
@@ -3640,63 +3645,32 @@
             <p:ph type="title"/>
           </p:nvPr>
         </p:nvSpPr>
-        <p:spPr/>
-        <p:txBody>
-          <a:bodyPr/>
-          <a:lstStyle/>
-          <a:p>
-            <a:r>
-              <a:rPr lang="en-GB" dirty="0" smtClean="0"/>
-              <a:t>Gameplay Overview</a:t>
-            </a:r>
-            <a:r>
-              <a:rPr lang="en-GB" dirty="0" smtClean="0"/>
-              <a:t>.</a:t>
-            </a:r>
-            <a:endParaRPr lang="en-GB" dirty="0"/>
-          </a:p>
-        </p:txBody>
-      </p:sp>
-      <p:sp>
-        <p:nvSpPr>
-          <p:cNvPr id="3" name="Content Placeholder 2"/>
-          <p:cNvSpPr>
-            <a:spLocks noGrp="1"/>
-          </p:cNvSpPr>
-          <p:nvPr>
-            <p:ph idx="1"/>
-          </p:nvPr>
-        </p:nvSpPr>
         <p:spPr>
           <a:xfrm>
-            <a:off x="838200" y="2033442"/>
-            <a:ext cx="5122025" cy="4351338"/>
+            <a:off x="3656214" y="2684376"/>
+            <a:ext cx="10515600" cy="1325563"/>
           </a:xfrm>
         </p:spPr>
         <p:txBody>
-          <a:bodyPr>
-            <a:normAutofit/>
-          </a:bodyPr>
-          <a:lstStyle/>
-          <a:p>
-            <a:r>
-              <a:rPr lang="en-GB" sz="2000" dirty="0" smtClean="0"/>
-              <a:t>This third person</a:t>
-            </a:r>
-          </a:p>
-          <a:p>
-            <a:r>
-              <a:rPr lang="en-GB" sz="2000" dirty="0" smtClean="0"/>
-              <a:t>Hazards</a:t>
-            </a:r>
-            <a:endParaRPr lang="en-GB" sz="2000" dirty="0"/>
+          <a:bodyPr/>
+          <a:lstStyle/>
+          <a:p>
+            <a:r>
+              <a:rPr lang="en-GB" dirty="0"/>
+              <a:t>T</a:t>
+            </a:r>
+            <a:r>
+              <a:rPr lang="en-GB" dirty="0" smtClean="0"/>
+              <a:t>his is achievable.</a:t>
+            </a:r>
+            <a:endParaRPr lang="en-GB" dirty="0"/>
           </a:p>
         </p:txBody>
       </p:sp>
     </p:spTree>
     <p:extLst>
       <p:ext uri="{BB962C8B-B14F-4D97-AF65-F5344CB8AC3E}">
-        <p14:creationId xmlns:p14="http://schemas.microsoft.com/office/powerpoint/2010/main" val="2606111224"/>
+        <p14:creationId xmlns:p14="http://schemas.microsoft.com/office/powerpoint/2010/main" val="2235104649"/>
       </p:ext>
     </p:extLst>
   </p:cSld>
@@ -3746,12 +3720,8 @@
           <a:lstStyle/>
           <a:p>
             <a:r>
-              <a:rPr lang="en-GB" dirty="0"/>
-              <a:t>T</a:t>
-            </a:r>
-            <a:r>
               <a:rPr lang="en-GB" dirty="0" smtClean="0"/>
-              <a:t>his is achievable.</a:t>
+              <a:t>Prototype.</a:t>
             </a:r>
             <a:endParaRPr lang="en-GB" dirty="0"/>
           </a:p>
@@ -3786,7 +3756,7 @@
     </p:spTree>
     <p:extLst>
       <p:ext uri="{BB962C8B-B14F-4D97-AF65-F5344CB8AC3E}">
-        <p14:creationId xmlns:p14="http://schemas.microsoft.com/office/powerpoint/2010/main" val="2235104649"/>
+        <p14:creationId xmlns:p14="http://schemas.microsoft.com/office/powerpoint/2010/main" val="1005365685"/>
       </p:ext>
     </p:extLst>
   </p:cSld>

--- a/College/FMP/Bacon Bandit.pptx
+++ b/College/FMP/Bacon Bandit.pptx
@@ -2,7 +2,7 @@
 <file path=ppt/presentation.xml><?xml version="1.0" encoding="utf-8"?>
 <p:presentation xmlns:a="http://schemas.openxmlformats.org/drawingml/2006/main" xmlns:r="http://schemas.openxmlformats.org/officeDocument/2006/relationships" xmlns:p="http://schemas.openxmlformats.org/presentationml/2006/main" saveSubsetFonts="1">
   <p:sldMasterIdLst>
-    <p:sldMasterId id="2147483648" r:id="rId1"/>
+    <p:sldMasterId id="2147483660" r:id="rId1"/>
   </p:sldMasterIdLst>
   <p:sldIdLst>
     <p:sldId id="256" r:id="rId2"/>
@@ -10,9 +10,8 @@
     <p:sldId id="259" r:id="rId4"/>
     <p:sldId id="262" r:id="rId5"/>
     <p:sldId id="264" r:id="rId6"/>
-    <p:sldId id="261" r:id="rId7"/>
-    <p:sldId id="260" r:id="rId8"/>
-    <p:sldId id="263" r:id="rId9"/>
+    <p:sldId id="260" r:id="rId7"/>
+    <p:sldId id="263" r:id="rId8"/>
   </p:sldIdLst>
   <p:sldSz cx="12192000" cy="6858000"/>
   <p:notesSz cx="6858000" cy="9144000"/>
@@ -122,6 +121,14 @@
 <file path=ppt/slideLayouts/slideLayout1.xml><?xml version="1.0" encoding="utf-8"?>
 <p:sldLayout xmlns:a="http://schemas.openxmlformats.org/drawingml/2006/main" xmlns:r="http://schemas.openxmlformats.org/officeDocument/2006/relationships" xmlns:p="http://schemas.openxmlformats.org/presentationml/2006/main" type="title" preserve="1">
   <p:cSld name="Title Slide">
+    <p:bg>
+      <p:bgPr>
+        <a:solidFill>
+          <a:schemeClr val="accent2"/>
+        </a:solidFill>
+        <a:effectLst/>
+      </p:bgPr>
+    </p:bg>
     <p:spTree>
       <p:nvGrpSpPr>
         <p:cNvPr id="1" name=""/>
@@ -146,50 +153,74 @@
             <p:ph type="ctrTitle"/>
           </p:nvPr>
         </p:nvSpPr>
+        <p:spPr bwMode="blackWhite">
+          <a:xfrm>
+            <a:off x="1600200" y="2386744"/>
+            <a:ext cx="8991600" cy="1645920"/>
+          </a:xfrm>
+          <a:solidFill>
+            <a:srgbClr val="FFFFFF"/>
+          </a:solidFill>
+          <a:ln w="38100">
+            <a:solidFill>
+              <a:srgbClr val="404040"/>
+            </a:solidFill>
+          </a:ln>
+        </p:spPr>
+        <p:txBody>
+          <a:bodyPr lIns="274320" rIns="274320" anchor="ctr" anchorCtr="1">
+            <a:normAutofit/>
+          </a:bodyPr>
+          <a:lstStyle>
+            <a:lvl1pPr algn="ctr">
+              <a:defRPr sz="3800">
+                <a:solidFill>
+                  <a:srgbClr val="262626"/>
+                </a:solidFill>
+              </a:defRPr>
+            </a:lvl1pPr>
+          </a:lstStyle>
+          <a:p>
+            <a:r>
+              <a:rPr lang="en-US" smtClean="0"/>
+              <a:t>Click to edit Master title style</a:t>
+            </a:r>
+            <a:endParaRPr lang="en-US" dirty="0"/>
+          </a:p>
+        </p:txBody>
+      </p:sp>
+      <p:sp>
+        <p:nvSpPr>
+          <p:cNvPr id="3" name="Subtitle 2"/>
+          <p:cNvSpPr>
+            <a:spLocks noGrp="1"/>
+          </p:cNvSpPr>
+          <p:nvPr>
+            <p:ph type="subTitle" idx="1"/>
+          </p:nvPr>
+        </p:nvSpPr>
         <p:spPr>
           <a:xfrm>
-            <a:off x="1524000" y="1122363"/>
-            <a:ext cx="9144000" cy="2387600"/>
+            <a:off x="2695194" y="4352544"/>
+            <a:ext cx="6801612" cy="1239894"/>
           </a:xfrm>
+          <a:noFill/>
         </p:spPr>
         <p:txBody>
-          <a:bodyPr anchor="b"/>
-          <a:lstStyle>
-            <a:lvl1pPr algn="ctr">
-              <a:defRPr sz="6000"/>
-            </a:lvl1pPr>
-          </a:lstStyle>
-          <a:p>
-            <a:r>
-              <a:rPr lang="en-US" smtClean="0"/>
-              <a:t>Click to edit Master title style</a:t>
-            </a:r>
-            <a:endParaRPr lang="en-GB"/>
-          </a:p>
-        </p:txBody>
-      </p:sp>
-      <p:sp>
-        <p:nvSpPr>
-          <p:cNvPr id="3" name="Subtitle 2"/>
-          <p:cNvSpPr>
-            <a:spLocks noGrp="1"/>
-          </p:cNvSpPr>
-          <p:nvPr>
-            <p:ph type="subTitle" idx="1"/>
-          </p:nvPr>
-        </p:nvSpPr>
-        <p:spPr>
-          <a:xfrm>
-            <a:off x="1524000" y="3602038"/>
-            <a:ext cx="9144000" cy="1655762"/>
-          </a:xfrm>
-        </p:spPr>
-        <p:txBody>
-          <a:bodyPr/>
+          <a:bodyPr>
+            <a:normAutofit/>
+          </a:bodyPr>
           <a:lstStyle>
             <a:lvl1pPr marL="0" indent="0" algn="ctr">
               <a:buNone/>
-              <a:defRPr sz="2400"/>
+              <a:defRPr sz="2000">
+                <a:solidFill>
+                  <a:schemeClr val="tx1">
+                    <a:lumMod val="75000"/>
+                    <a:lumOff val="25000"/>
+                  </a:schemeClr>
+                </a:solidFill>
+              </a:defRPr>
             </a:lvl1pPr>
             <a:lvl2pPr marL="457200" indent="0" algn="ctr">
               <a:buNone/>
@@ -229,13 +260,13 @@
               <a:rPr lang="en-US" smtClean="0"/>
               <a:t>Click to edit Master subtitle style</a:t>
             </a:r>
-            <a:endParaRPr lang="en-GB"/>
-          </a:p>
-        </p:txBody>
-      </p:sp>
-      <p:sp>
-        <p:nvSpPr>
-          <p:cNvPr id="4" name="Date Placeholder 3"/>
+            <a:endParaRPr lang="en-US" dirty="0"/>
+          </a:p>
+        </p:txBody>
+      </p:sp>
+      <p:sp>
+        <p:nvSpPr>
+          <p:cNvPr id="7" name="Date Placeholder 6"/>
           <p:cNvSpPr>
             <a:spLocks noGrp="1"/>
           </p:cNvSpPr>
@@ -250,7 +281,7 @@
           <a:p>
             <a:fld id="{8C73A8CE-8DBE-4846-85EC-5C6E1CEE8DAD}" type="datetimeFigureOut">
               <a:rPr lang="en-GB" smtClean="0"/>
-              <a:t>26/11/2019</a:t>
+              <a:t>28/11/2019</a:t>
             </a:fld>
             <a:endParaRPr lang="en-GB"/>
           </a:p>
@@ -258,7 +289,7 @@
       </p:sp>
       <p:sp>
         <p:nvSpPr>
-          <p:cNvPr id="5" name="Footer Placeholder 4"/>
+          <p:cNvPr id="8" name="Footer Placeholder 7"/>
           <p:cNvSpPr>
             <a:spLocks noGrp="1"/>
           </p:cNvSpPr>
@@ -277,7 +308,7 @@
       </p:sp>
       <p:sp>
         <p:nvSpPr>
-          <p:cNvPr id="6" name="Slide Number Placeholder 5"/>
+          <p:cNvPr id="9" name="Slide Number Placeholder 8"/>
           <p:cNvSpPr>
             <a:spLocks noGrp="1"/>
           </p:cNvSpPr>
@@ -301,12 +332,12 @@
     </p:spTree>
     <p:extLst>
       <p:ext uri="{BB962C8B-B14F-4D97-AF65-F5344CB8AC3E}">
-        <p14:creationId xmlns:p14="http://schemas.microsoft.com/office/powerpoint/2010/main" val="1511919022"/>
+        <p14:creationId xmlns:p14="http://schemas.microsoft.com/office/powerpoint/2010/main" val="3746958604"/>
       </p:ext>
     </p:extLst>
   </p:cSld>
   <p:clrMapOvr>
-    <a:masterClrMapping/>
+    <a:overrideClrMapping bg1="dk1" tx1="lt1" bg2="dk2" tx2="lt2" accent1="accent1" accent2="accent2" accent3="accent3" accent4="accent4" accent5="accent5" accent6="accent6" hlink="hlink" folHlink="folHlink"/>
   </p:clrMapOvr>
 </p:sldLayout>
 </file>
@@ -347,7 +378,7 @@
               <a:rPr lang="en-US" smtClean="0"/>
               <a:t>Click to edit Master title style</a:t>
             </a:r>
-            <a:endParaRPr lang="en-GB"/>
+            <a:endParaRPr lang="en-US" dirty="0"/>
           </a:p>
         </p:txBody>
       </p:sp>
@@ -399,7 +430,7 @@
               <a:rPr lang="en-US" smtClean="0"/>
               <a:t>Fifth level</a:t>
             </a:r>
-            <a:endParaRPr lang="en-GB"/>
+            <a:endParaRPr lang="en-US" dirty="0"/>
           </a:p>
         </p:txBody>
       </p:sp>
@@ -420,7 +451,7 @@
           <a:p>
             <a:fld id="{8C73A8CE-8DBE-4846-85EC-5C6E1CEE8DAD}" type="datetimeFigureOut">
               <a:rPr lang="en-GB" smtClean="0"/>
-              <a:t>26/11/2019</a:t>
+              <a:t>28/11/2019</a:t>
             </a:fld>
             <a:endParaRPr lang="en-GB"/>
           </a:p>
@@ -471,7 +502,7 @@
     </p:spTree>
     <p:extLst>
       <p:ext uri="{BB962C8B-B14F-4D97-AF65-F5344CB8AC3E}">
-        <p14:creationId xmlns:p14="http://schemas.microsoft.com/office/powerpoint/2010/main" val="2229564307"/>
+        <p14:creationId xmlns:p14="http://schemas.microsoft.com/office/powerpoint/2010/main" val="425743916"/>
       </p:ext>
     </p:extLst>
   </p:cSld>
@@ -510,8 +541,8 @@
         </p:nvSpPr>
         <p:spPr>
           <a:xfrm>
-            <a:off x="8724900" y="365125"/>
-            <a:ext cx="2628900" cy="5811838"/>
+            <a:off x="8653112" y="937260"/>
+            <a:ext cx="1298608" cy="4983480"/>
           </a:xfrm>
         </p:spPr>
         <p:txBody>
@@ -522,7 +553,7 @@
               <a:rPr lang="en-US" smtClean="0"/>
               <a:t>Click to edit Master title style</a:t>
             </a:r>
-            <a:endParaRPr lang="en-GB"/>
+            <a:endParaRPr lang="en-US" dirty="0"/>
           </a:p>
         </p:txBody>
       </p:sp>
@@ -538,8 +569,8 @@
         </p:nvSpPr>
         <p:spPr>
           <a:xfrm>
-            <a:off x="838200" y="365125"/>
-            <a:ext cx="7734300" cy="5811838"/>
+            <a:off x="2231136" y="937260"/>
+            <a:ext cx="6198489" cy="4983480"/>
           </a:xfrm>
         </p:spPr>
         <p:txBody>
@@ -579,7 +610,7 @@
               <a:rPr lang="en-US" smtClean="0"/>
               <a:t>Fifth level</a:t>
             </a:r>
-            <a:endParaRPr lang="en-GB"/>
+            <a:endParaRPr lang="en-US" dirty="0"/>
           </a:p>
         </p:txBody>
       </p:sp>
@@ -600,7 +631,7 @@
           <a:p>
             <a:fld id="{8C73A8CE-8DBE-4846-85EC-5C6E1CEE8DAD}" type="datetimeFigureOut">
               <a:rPr lang="en-GB" smtClean="0"/>
-              <a:t>26/11/2019</a:t>
+              <a:t>28/11/2019</a:t>
             </a:fld>
             <a:endParaRPr lang="en-GB"/>
           </a:p>
@@ -651,7 +682,7 @@
     </p:spTree>
     <p:extLst>
       <p:ext uri="{BB962C8B-B14F-4D97-AF65-F5344CB8AC3E}">
-        <p14:creationId xmlns:p14="http://schemas.microsoft.com/office/powerpoint/2010/main" val="1178962172"/>
+        <p14:creationId xmlns:p14="http://schemas.microsoft.com/office/powerpoint/2010/main" val="1652429366"/>
       </p:ext>
     </p:extLst>
   </p:cSld>
@@ -697,7 +728,7 @@
               <a:rPr lang="en-US" smtClean="0"/>
               <a:t>Click to edit Master title style</a:t>
             </a:r>
-            <a:endParaRPr lang="en-GB"/>
+            <a:endParaRPr lang="en-US" dirty="0"/>
           </a:p>
         </p:txBody>
       </p:sp>
@@ -749,13 +780,13 @@
               <a:rPr lang="en-US" smtClean="0"/>
               <a:t>Fifth level</a:t>
             </a:r>
-            <a:endParaRPr lang="en-GB"/>
-          </a:p>
-        </p:txBody>
-      </p:sp>
-      <p:sp>
-        <p:nvSpPr>
-          <p:cNvPr id="4" name="Date Placeholder 3"/>
+            <a:endParaRPr lang="en-US" dirty="0"/>
+          </a:p>
+        </p:txBody>
+      </p:sp>
+      <p:sp>
+        <p:nvSpPr>
+          <p:cNvPr id="7" name="Date Placeholder 6"/>
           <p:cNvSpPr>
             <a:spLocks noGrp="1"/>
           </p:cNvSpPr>
@@ -770,7 +801,7 @@
           <a:p>
             <a:fld id="{8C73A8CE-8DBE-4846-85EC-5C6E1CEE8DAD}" type="datetimeFigureOut">
               <a:rPr lang="en-GB" smtClean="0"/>
-              <a:t>26/11/2019</a:t>
+              <a:t>28/11/2019</a:t>
             </a:fld>
             <a:endParaRPr lang="en-GB"/>
           </a:p>
@@ -778,7 +809,7 @@
       </p:sp>
       <p:sp>
         <p:nvSpPr>
-          <p:cNvPr id="5" name="Footer Placeholder 4"/>
+          <p:cNvPr id="8" name="Footer Placeholder 7"/>
           <p:cNvSpPr>
             <a:spLocks noGrp="1"/>
           </p:cNvSpPr>
@@ -797,7 +828,7 @@
       </p:sp>
       <p:sp>
         <p:nvSpPr>
-          <p:cNvPr id="6" name="Slide Number Placeholder 5"/>
+          <p:cNvPr id="9" name="Slide Number Placeholder 8"/>
           <p:cNvSpPr>
             <a:spLocks noGrp="1"/>
           </p:cNvSpPr>
@@ -821,7 +852,7 @@
     </p:spTree>
     <p:extLst>
       <p:ext uri="{BB962C8B-B14F-4D97-AF65-F5344CB8AC3E}">
-        <p14:creationId xmlns:p14="http://schemas.microsoft.com/office/powerpoint/2010/main" val="2000881353"/>
+        <p14:creationId xmlns:p14="http://schemas.microsoft.com/office/powerpoint/2010/main" val="1298070870"/>
       </p:ext>
     </p:extLst>
   </p:cSld>
@@ -834,6 +865,14 @@
 <file path=ppt/slideLayouts/slideLayout3.xml><?xml version="1.0" encoding="utf-8"?>
 <p:sldLayout xmlns:a="http://schemas.openxmlformats.org/drawingml/2006/main" xmlns:r="http://schemas.openxmlformats.org/officeDocument/2006/relationships" xmlns:p="http://schemas.openxmlformats.org/presentationml/2006/main" type="secHead" preserve="1">
   <p:cSld name="Section Header">
+    <p:bg>
+      <p:bgPr>
+        <a:solidFill>
+          <a:schemeClr val="accent1"/>
+        </a:solidFill>
+        <a:effectLst/>
+      </p:bgPr>
+    </p:bg>
     <p:spTree>
       <p:nvGrpSpPr>
         <p:cNvPr id="1" name=""/>
@@ -858,54 +897,68 @@
             <p:ph type="title"/>
           </p:nvPr>
         </p:nvSpPr>
+        <p:spPr bwMode="blackWhite">
+          <a:xfrm>
+            <a:off x="1600200" y="2386744"/>
+            <a:ext cx="8991600" cy="1645920"/>
+          </a:xfrm>
+          <a:solidFill>
+            <a:srgbClr val="FFFFFF"/>
+          </a:solidFill>
+          <a:ln w="38100">
+            <a:solidFill>
+              <a:srgbClr val="404040"/>
+            </a:solidFill>
+          </a:ln>
+        </p:spPr>
+        <p:txBody>
+          <a:bodyPr lIns="274320" rIns="274320" anchor="ctr" anchorCtr="1">
+            <a:normAutofit/>
+          </a:bodyPr>
+          <a:lstStyle>
+            <a:lvl1pPr>
+              <a:defRPr sz="3800">
+                <a:solidFill>
+                  <a:srgbClr val="262626"/>
+                </a:solidFill>
+              </a:defRPr>
+            </a:lvl1pPr>
+          </a:lstStyle>
+          <a:p>
+            <a:r>
+              <a:rPr lang="en-US" smtClean="0"/>
+              <a:t>Click to edit Master title style</a:t>
+            </a:r>
+            <a:endParaRPr lang="en-US" dirty="0"/>
+          </a:p>
+        </p:txBody>
+      </p:sp>
+      <p:sp>
+        <p:nvSpPr>
+          <p:cNvPr id="3" name="Text Placeholder 2"/>
+          <p:cNvSpPr>
+            <a:spLocks noGrp="1"/>
+          </p:cNvSpPr>
+          <p:nvPr>
+            <p:ph type="body" idx="1"/>
+          </p:nvPr>
+        </p:nvSpPr>
         <p:spPr>
           <a:xfrm>
-            <a:off x="831850" y="1709738"/>
-            <a:ext cx="10515600" cy="2852737"/>
+            <a:off x="2695194" y="4352465"/>
+            <a:ext cx="6801612" cy="1265082"/>
           </a:xfrm>
         </p:spPr>
         <p:txBody>
-          <a:bodyPr anchor="b"/>
-          <a:lstStyle>
-            <a:lvl1pPr>
-              <a:defRPr sz="6000"/>
-            </a:lvl1pPr>
-          </a:lstStyle>
-          <a:p>
-            <a:r>
-              <a:rPr lang="en-US" smtClean="0"/>
-              <a:t>Click to edit Master title style</a:t>
-            </a:r>
-            <a:endParaRPr lang="en-GB"/>
-          </a:p>
-        </p:txBody>
-      </p:sp>
-      <p:sp>
-        <p:nvSpPr>
-          <p:cNvPr id="3" name="Text Placeholder 2"/>
-          <p:cNvSpPr>
-            <a:spLocks noGrp="1"/>
-          </p:cNvSpPr>
-          <p:nvPr>
-            <p:ph type="body" idx="1"/>
-          </p:nvPr>
-        </p:nvSpPr>
-        <p:spPr>
-          <a:xfrm>
-            <a:off x="831850" y="4589463"/>
-            <a:ext cx="10515600" cy="1500187"/>
-          </a:xfrm>
-        </p:spPr>
-        <p:txBody>
-          <a:bodyPr/>
+          <a:bodyPr anchor="t" anchorCtr="1">
+            <a:normAutofit/>
+          </a:bodyPr>
           <a:lstStyle>
             <a:lvl1pPr marL="0" indent="0">
               <a:buNone/>
-              <a:defRPr sz="2400">
+              <a:defRPr sz="2000">
                 <a:solidFill>
-                  <a:schemeClr val="tx1">
-                    <a:tint val="75000"/>
-                  </a:schemeClr>
+                  <a:schemeClr val="tx1"/>
                 </a:solidFill>
               </a:defRPr>
             </a:lvl1pPr>
@@ -1001,7 +1054,7 @@
       </p:sp>
       <p:sp>
         <p:nvSpPr>
-          <p:cNvPr id="4" name="Date Placeholder 3"/>
+          <p:cNvPr id="7" name="Date Placeholder 6"/>
           <p:cNvSpPr>
             <a:spLocks noGrp="1"/>
           </p:cNvSpPr>
@@ -1016,7 +1069,7 @@
           <a:p>
             <a:fld id="{8C73A8CE-8DBE-4846-85EC-5C6E1CEE8DAD}" type="datetimeFigureOut">
               <a:rPr lang="en-GB" smtClean="0"/>
-              <a:t>26/11/2019</a:t>
+              <a:t>28/11/2019</a:t>
             </a:fld>
             <a:endParaRPr lang="en-GB"/>
           </a:p>
@@ -1024,7 +1077,7 @@
       </p:sp>
       <p:sp>
         <p:nvSpPr>
-          <p:cNvPr id="5" name="Footer Placeholder 4"/>
+          <p:cNvPr id="8" name="Footer Placeholder 7"/>
           <p:cNvSpPr>
             <a:spLocks noGrp="1"/>
           </p:cNvSpPr>
@@ -1043,7 +1096,7 @@
       </p:sp>
       <p:sp>
         <p:nvSpPr>
-          <p:cNvPr id="6" name="Slide Number Placeholder 5"/>
+          <p:cNvPr id="9" name="Slide Number Placeholder 8"/>
           <p:cNvSpPr>
             <a:spLocks noGrp="1"/>
           </p:cNvSpPr>
@@ -1067,12 +1120,12 @@
     </p:spTree>
     <p:extLst>
       <p:ext uri="{BB962C8B-B14F-4D97-AF65-F5344CB8AC3E}">
-        <p14:creationId xmlns:p14="http://schemas.microsoft.com/office/powerpoint/2010/main" val="3191002583"/>
+        <p14:creationId xmlns:p14="http://schemas.microsoft.com/office/powerpoint/2010/main" val="1886013124"/>
       </p:ext>
     </p:extLst>
   </p:cSld>
   <p:clrMapOvr>
-    <a:masterClrMapping/>
+    <a:overrideClrMapping bg1="dk1" tx1="lt1" bg2="dk2" tx2="lt2" accent1="accent1" accent2="accent2" accent3="accent3" accent4="accent4" accent5="accent5" accent6="accent6" hlink="hlink" folHlink="folHlink"/>
   </p:clrMapOvr>
 </p:sldLayout>
 </file>
@@ -1113,7 +1166,7 @@
               <a:rPr lang="en-US" smtClean="0"/>
               <a:t>Click to edit Master title style</a:t>
             </a:r>
-            <a:endParaRPr lang="en-GB"/>
+            <a:endParaRPr lang="en-US" dirty="0"/>
           </a:p>
         </p:txBody>
       </p:sp>
@@ -1129,8 +1182,8 @@
         </p:nvSpPr>
         <p:spPr>
           <a:xfrm>
-            <a:off x="838200" y="1825625"/>
-            <a:ext cx="5181600" cy="4351338"/>
+            <a:off x="1581912" y="2638044"/>
+            <a:ext cx="4271771" cy="3101982"/>
           </a:xfrm>
         </p:spPr>
         <p:txBody>
@@ -1170,7 +1223,7 @@
               <a:rPr lang="en-US" smtClean="0"/>
               <a:t>Fifth level</a:t>
             </a:r>
-            <a:endParaRPr lang="en-GB"/>
+            <a:endParaRPr lang="en-US" dirty="0"/>
           </a:p>
         </p:txBody>
       </p:sp>
@@ -1186,8 +1239,8 @@
         </p:nvSpPr>
         <p:spPr>
           <a:xfrm>
-            <a:off x="6172200" y="1825625"/>
-            <a:ext cx="5181600" cy="4351338"/>
+            <a:off x="6338315" y="2638044"/>
+            <a:ext cx="4270247" cy="3101982"/>
           </a:xfrm>
         </p:spPr>
         <p:txBody>
@@ -1227,13 +1280,13 @@
               <a:rPr lang="en-US" smtClean="0"/>
               <a:t>Fifth level</a:t>
             </a:r>
-            <a:endParaRPr lang="en-GB"/>
-          </a:p>
-        </p:txBody>
-      </p:sp>
-      <p:sp>
-        <p:nvSpPr>
-          <p:cNvPr id="5" name="Date Placeholder 4"/>
+            <a:endParaRPr lang="en-US" dirty="0"/>
+          </a:p>
+        </p:txBody>
+      </p:sp>
+      <p:sp>
+        <p:nvSpPr>
+          <p:cNvPr id="8" name="Date Placeholder 7"/>
           <p:cNvSpPr>
             <a:spLocks noGrp="1"/>
           </p:cNvSpPr>
@@ -1248,7 +1301,7 @@
           <a:p>
             <a:fld id="{8C73A8CE-8DBE-4846-85EC-5C6E1CEE8DAD}" type="datetimeFigureOut">
               <a:rPr lang="en-GB" smtClean="0"/>
-              <a:t>26/11/2019</a:t>
+              <a:t>28/11/2019</a:t>
             </a:fld>
             <a:endParaRPr lang="en-GB"/>
           </a:p>
@@ -1256,7 +1309,7 @@
       </p:sp>
       <p:sp>
         <p:nvSpPr>
-          <p:cNvPr id="6" name="Footer Placeholder 5"/>
+          <p:cNvPr id="9" name="Footer Placeholder 8"/>
           <p:cNvSpPr>
             <a:spLocks noGrp="1"/>
           </p:cNvSpPr>
@@ -1275,7 +1328,7 @@
       </p:sp>
       <p:sp>
         <p:nvSpPr>
-          <p:cNvPr id="7" name="Slide Number Placeholder 6"/>
+          <p:cNvPr id="10" name="Slide Number Placeholder 9"/>
           <p:cNvSpPr>
             <a:spLocks noGrp="1"/>
           </p:cNvSpPr>
@@ -1299,7 +1352,7 @@
     </p:spTree>
     <p:extLst>
       <p:ext uri="{BB962C8B-B14F-4D97-AF65-F5344CB8AC3E}">
-        <p14:creationId xmlns:p14="http://schemas.microsoft.com/office/powerpoint/2010/main" val="1968141486"/>
+        <p14:creationId xmlns:p14="http://schemas.microsoft.com/office/powerpoint/2010/main" val="1973283754"/>
       </p:ext>
     </p:extLst>
   </p:cSld>
@@ -1328,58 +1381,38 @@
       </p:grpSpPr>
       <p:sp>
         <p:nvSpPr>
-          <p:cNvPr id="2" name="Title 1"/>
-          <p:cNvSpPr>
-            <a:spLocks noGrp="1"/>
-          </p:cNvSpPr>
-          <p:nvPr>
-            <p:ph type="title"/>
+          <p:cNvPr id="3" name="Text Placeholder 2"/>
+          <p:cNvSpPr>
+            <a:spLocks noGrp="1"/>
+          </p:cNvSpPr>
+          <p:nvPr>
+            <p:ph type="body" idx="1"/>
           </p:nvPr>
         </p:nvSpPr>
         <p:spPr>
           <a:xfrm>
-            <a:off x="839788" y="365125"/>
-            <a:ext cx="10515600" cy="1325563"/>
+            <a:off x="1583436" y="2313433"/>
+            <a:ext cx="4270248" cy="704087"/>
           </a:xfrm>
         </p:spPr>
         <p:txBody>
-          <a:bodyPr/>
-          <a:lstStyle/>
-          <a:p>
-            <a:r>
-              <a:rPr lang="en-US" smtClean="0"/>
-              <a:t>Click to edit Master title style</a:t>
-            </a:r>
-            <a:endParaRPr lang="en-GB"/>
-          </a:p>
-        </p:txBody>
-      </p:sp>
-      <p:sp>
-        <p:nvSpPr>
-          <p:cNvPr id="3" name="Text Placeholder 2"/>
-          <p:cNvSpPr>
-            <a:spLocks noGrp="1"/>
-          </p:cNvSpPr>
-          <p:nvPr>
-            <p:ph type="body" idx="1"/>
-          </p:nvPr>
-        </p:nvSpPr>
-        <p:spPr>
-          <a:xfrm>
-            <a:off x="839788" y="1681163"/>
-            <a:ext cx="5157787" cy="823912"/>
-          </a:xfrm>
-        </p:spPr>
-        <p:txBody>
-          <a:bodyPr anchor="b"/>
+          <a:bodyPr anchor="b" anchorCtr="1">
+            <a:normAutofit/>
+          </a:bodyPr>
           <a:lstStyle>
-            <a:lvl1pPr marL="0" indent="0">
-              <a:buNone/>
-              <a:defRPr sz="2400" b="1"/>
+            <a:lvl1pPr marL="0" indent="0" algn="ctr">
+              <a:buNone/>
+              <a:defRPr sz="1900" b="0" cap="all" spc="100" baseline="0">
+                <a:solidFill>
+                  <a:schemeClr val="accent2">
+                    <a:lumMod val="75000"/>
+                  </a:schemeClr>
+                </a:solidFill>
+              </a:defRPr>
             </a:lvl1pPr>
             <a:lvl2pPr marL="457200" indent="0">
               <a:buNone/>
-              <a:defRPr sz="2000" b="1"/>
+              <a:defRPr sz="1900" b="1"/>
             </a:lvl2pPr>
             <a:lvl3pPr marL="914400" indent="0">
               <a:buNone/>
@@ -1431,8 +1464,8 @@
         </p:nvSpPr>
         <p:spPr>
           <a:xfrm>
-            <a:off x="839788" y="2505075"/>
-            <a:ext cx="5157787" cy="3684588"/>
+            <a:off x="1583436" y="3143250"/>
+            <a:ext cx="4270248" cy="2596776"/>
           </a:xfrm>
         </p:spPr>
         <p:txBody>
@@ -1472,36 +1505,105 @@
               <a:rPr lang="en-US" smtClean="0"/>
               <a:t>Fifth level</a:t>
             </a:r>
-            <a:endParaRPr lang="en-GB"/>
-          </a:p>
-        </p:txBody>
-      </p:sp>
-      <p:sp>
-        <p:nvSpPr>
-          <p:cNvPr id="5" name="Text Placeholder 4"/>
-          <p:cNvSpPr>
-            <a:spLocks noGrp="1"/>
-          </p:cNvSpPr>
-          <p:nvPr>
-            <p:ph type="body" sz="quarter" idx="3"/>
+            <a:endParaRPr lang="en-US" dirty="0"/>
+          </a:p>
+        </p:txBody>
+      </p:sp>
+      <p:sp>
+        <p:nvSpPr>
+          <p:cNvPr id="6" name="Content Placeholder 5"/>
+          <p:cNvSpPr>
+            <a:spLocks noGrp="1"/>
+          </p:cNvSpPr>
+          <p:nvPr>
+            <p:ph sz="quarter" idx="4"/>
           </p:nvPr>
         </p:nvSpPr>
         <p:spPr>
           <a:xfrm>
-            <a:off x="6172200" y="1681163"/>
-            <a:ext cx="5183188" cy="823912"/>
+            <a:off x="6338316" y="3143250"/>
+            <a:ext cx="4253484" cy="2596776"/>
           </a:xfrm>
         </p:spPr>
         <p:txBody>
-          <a:bodyPr anchor="b"/>
+          <a:bodyPr/>
           <a:lstStyle>
-            <a:lvl1pPr marL="0" indent="0">
-              <a:buNone/>
-              <a:defRPr sz="2400" b="1"/>
+            <a:lvl5pPr>
+              <a:defRPr/>
+            </a:lvl5pPr>
+          </a:lstStyle>
+          <a:p>
+            <a:pPr lvl="0"/>
+            <a:r>
+              <a:rPr lang="en-US" smtClean="0"/>
+              <a:t>Edit Master text styles</a:t>
+            </a:r>
+          </a:p>
+          <a:p>
+            <a:pPr lvl="1"/>
+            <a:r>
+              <a:rPr lang="en-US" smtClean="0"/>
+              <a:t>Second level</a:t>
+            </a:r>
+          </a:p>
+          <a:p>
+            <a:pPr lvl="2"/>
+            <a:r>
+              <a:rPr lang="en-US" smtClean="0"/>
+              <a:t>Third level</a:t>
+            </a:r>
+          </a:p>
+          <a:p>
+            <a:pPr lvl="3"/>
+            <a:r>
+              <a:rPr lang="en-US" smtClean="0"/>
+              <a:t>Fourth level</a:t>
+            </a:r>
+          </a:p>
+          <a:p>
+            <a:pPr lvl="4"/>
+            <a:r>
+              <a:rPr lang="en-US" smtClean="0"/>
+              <a:t>Fifth level</a:t>
+            </a:r>
+            <a:endParaRPr lang="en-US" dirty="0"/>
+          </a:p>
+        </p:txBody>
+      </p:sp>
+      <p:sp>
+        <p:nvSpPr>
+          <p:cNvPr id="11" name="Text Placeholder 4"/>
+          <p:cNvSpPr>
+            <a:spLocks noGrp="1"/>
+          </p:cNvSpPr>
+          <p:nvPr>
+            <p:ph type="body" sz="quarter" idx="13"/>
+          </p:nvPr>
+        </p:nvSpPr>
+        <p:spPr>
+          <a:xfrm>
+            <a:off x="6338316" y="2313433"/>
+            <a:ext cx="4270248" cy="704087"/>
+          </a:xfrm>
+        </p:spPr>
+        <p:txBody>
+          <a:bodyPr anchor="b" anchorCtr="1">
+            <a:normAutofit/>
+          </a:bodyPr>
+          <a:lstStyle>
+            <a:lvl1pPr marL="0" indent="0" algn="ctr">
+              <a:buNone/>
+              <a:defRPr sz="1900" b="0" cap="all" spc="100" baseline="0">
+                <a:solidFill>
+                  <a:schemeClr val="accent2">
+                    <a:lumMod val="75000"/>
+                  </a:schemeClr>
+                </a:solidFill>
+              </a:defRPr>
             </a:lvl1pPr>
             <a:lvl2pPr marL="457200" indent="0">
               <a:buNone/>
-              <a:defRPr sz="2000" b="1"/>
+              <a:defRPr sz="1900" b="1"/>
             </a:lvl2pPr>
             <a:lvl3pPr marL="914400" indent="0">
               <a:buNone/>
@@ -1543,63 +1645,6 @@
       </p:sp>
       <p:sp>
         <p:nvSpPr>
-          <p:cNvPr id="6" name="Content Placeholder 5"/>
-          <p:cNvSpPr>
-            <a:spLocks noGrp="1"/>
-          </p:cNvSpPr>
-          <p:nvPr>
-            <p:ph sz="quarter" idx="4"/>
-          </p:nvPr>
-        </p:nvSpPr>
-        <p:spPr>
-          <a:xfrm>
-            <a:off x="6172200" y="2505075"/>
-            <a:ext cx="5183188" cy="3684588"/>
-          </a:xfrm>
-        </p:spPr>
-        <p:txBody>
-          <a:bodyPr/>
-          <a:lstStyle/>
-          <a:p>
-            <a:pPr lvl="0"/>
-            <a:r>
-              <a:rPr lang="en-US" smtClean="0"/>
-              <a:t>Edit Master text styles</a:t>
-            </a:r>
-          </a:p>
-          <a:p>
-            <a:pPr lvl="1"/>
-            <a:r>
-              <a:rPr lang="en-US" smtClean="0"/>
-              <a:t>Second level</a:t>
-            </a:r>
-          </a:p>
-          <a:p>
-            <a:pPr lvl="2"/>
-            <a:r>
-              <a:rPr lang="en-US" smtClean="0"/>
-              <a:t>Third level</a:t>
-            </a:r>
-          </a:p>
-          <a:p>
-            <a:pPr lvl="3"/>
-            <a:r>
-              <a:rPr lang="en-US" smtClean="0"/>
-              <a:t>Fourth level</a:t>
-            </a:r>
-          </a:p>
-          <a:p>
-            <a:pPr lvl="4"/>
-            <a:r>
-              <a:rPr lang="en-US" smtClean="0"/>
-              <a:t>Fifth level</a:t>
-            </a:r>
-            <a:endParaRPr lang="en-GB"/>
-          </a:p>
-        </p:txBody>
-      </p:sp>
-      <p:sp>
-        <p:nvSpPr>
           <p:cNvPr id="7" name="Date Placeholder 6"/>
           <p:cNvSpPr>
             <a:spLocks noGrp="1"/>
@@ -1615,7 +1660,7 @@
           <a:p>
             <a:fld id="{8C73A8CE-8DBE-4846-85EC-5C6E1CEE8DAD}" type="datetimeFigureOut">
               <a:rPr lang="en-GB" smtClean="0"/>
-              <a:t>26/11/2019</a:t>
+              <a:t>28/11/2019</a:t>
             </a:fld>
             <a:endParaRPr lang="en-GB"/>
           </a:p>
@@ -1663,10 +1708,33 @@
           </a:p>
         </p:txBody>
       </p:sp>
+      <p:sp>
+        <p:nvSpPr>
+          <p:cNvPr id="10" name="Title 9"/>
+          <p:cNvSpPr>
+            <a:spLocks noGrp="1"/>
+          </p:cNvSpPr>
+          <p:nvPr>
+            <p:ph type="title"/>
+          </p:nvPr>
+        </p:nvSpPr>
+        <p:spPr/>
+        <p:txBody>
+          <a:bodyPr/>
+          <a:lstStyle/>
+          <a:p>
+            <a:r>
+              <a:rPr lang="en-US" smtClean="0"/>
+              <a:t>Click to edit Master title style</a:t>
+            </a:r>
+            <a:endParaRPr lang="en-US" dirty="0"/>
+          </a:p>
+        </p:txBody>
+      </p:sp>
     </p:spTree>
     <p:extLst>
       <p:ext uri="{BB962C8B-B14F-4D97-AF65-F5344CB8AC3E}">
-        <p14:creationId xmlns:p14="http://schemas.microsoft.com/office/powerpoint/2010/main" val="550635688"/>
+        <p14:creationId xmlns:p14="http://schemas.microsoft.com/office/powerpoint/2010/main" val="1635743240"/>
       </p:ext>
     </p:extLst>
   </p:cSld>
@@ -1712,7 +1780,7 @@
               <a:rPr lang="en-US" smtClean="0"/>
               <a:t>Click to edit Master title style</a:t>
             </a:r>
-            <a:endParaRPr lang="en-GB"/>
+            <a:endParaRPr lang="en-US" dirty="0"/>
           </a:p>
         </p:txBody>
       </p:sp>
@@ -1733,7 +1801,7 @@
           <a:p>
             <a:fld id="{8C73A8CE-8DBE-4846-85EC-5C6E1CEE8DAD}" type="datetimeFigureOut">
               <a:rPr lang="en-GB" smtClean="0"/>
-              <a:t>26/11/2019</a:t>
+              <a:t>28/11/2019</a:t>
             </a:fld>
             <a:endParaRPr lang="en-GB"/>
           </a:p>
@@ -1784,7 +1852,7 @@
     </p:spTree>
     <p:extLst>
       <p:ext uri="{BB962C8B-B14F-4D97-AF65-F5344CB8AC3E}">
-        <p14:creationId xmlns:p14="http://schemas.microsoft.com/office/powerpoint/2010/main" val="1237782058"/>
+        <p14:creationId xmlns:p14="http://schemas.microsoft.com/office/powerpoint/2010/main" val="2801696841"/>
       </p:ext>
     </p:extLst>
   </p:cSld>
@@ -1828,7 +1896,7 @@
           <a:p>
             <a:fld id="{8C73A8CE-8DBE-4846-85EC-5C6E1CEE8DAD}" type="datetimeFigureOut">
               <a:rPr lang="en-GB" smtClean="0"/>
-              <a:t>26/11/2019</a:t>
+              <a:t>28/11/2019</a:t>
             </a:fld>
             <a:endParaRPr lang="en-GB"/>
           </a:p>
@@ -1879,7 +1947,7 @@
     </p:spTree>
     <p:extLst>
       <p:ext uri="{BB962C8B-B14F-4D97-AF65-F5344CB8AC3E}">
-        <p14:creationId xmlns:p14="http://schemas.microsoft.com/office/powerpoint/2010/main" val="1322172941"/>
+        <p14:creationId xmlns:p14="http://schemas.microsoft.com/office/powerpoint/2010/main" val="3345210983"/>
       </p:ext>
     </p:extLst>
   </p:cSld>
@@ -1908,143 +1976,223 @@
       </p:grpSpPr>
       <p:sp>
         <p:nvSpPr>
-          <p:cNvPr id="2" name="Title 1"/>
-          <p:cNvSpPr>
-            <a:spLocks noGrp="1"/>
-          </p:cNvSpPr>
-          <p:nvPr>
-            <p:ph type="title"/>
-          </p:nvPr>
+          <p:cNvPr id="26" name="Rectangle 25"/>
+          <p:cNvSpPr/>
+          <p:nvPr/>
         </p:nvSpPr>
         <p:spPr>
           <a:xfrm>
-            <a:off x="839788" y="457200"/>
-            <a:ext cx="3932237" cy="1600200"/>
+            <a:off x="0" y="0"/>
+            <a:ext cx="6096000" cy="6858000"/>
+          </a:xfrm>
+          <a:prstGeom prst="rect">
+            <a:avLst/>
+          </a:prstGeom>
+          <a:solidFill>
+            <a:schemeClr val="accent2"/>
+          </a:solidFill>
+          <a:ln>
+            <a:noFill/>
+          </a:ln>
+        </p:spPr>
+        <p:style>
+          <a:lnRef idx="2">
+            <a:schemeClr val="accent1">
+              <a:shade val="50000"/>
+            </a:schemeClr>
+          </a:lnRef>
+          <a:fillRef idx="1">
+            <a:schemeClr val="accent1"/>
+          </a:fillRef>
+          <a:effectRef idx="0">
+            <a:schemeClr val="accent1"/>
+          </a:effectRef>
+          <a:fontRef idx="minor">
+            <a:schemeClr val="lt1"/>
+          </a:fontRef>
+        </p:style>
+      </p:sp>
+      <p:sp>
+        <p:nvSpPr>
+          <p:cNvPr id="2" name="Title 1"/>
+          <p:cNvSpPr>
+            <a:spLocks noGrp="1"/>
+          </p:cNvSpPr>
+          <p:nvPr>
+            <p:ph type="title"/>
+          </p:nvPr>
+        </p:nvSpPr>
+        <p:spPr bwMode="blackWhite">
+          <a:xfrm>
+            <a:off x="804672" y="2243828"/>
+            <a:ext cx="4486656" cy="1141497"/>
+          </a:xfrm>
+          <a:solidFill>
+            <a:srgbClr val="FFFFFF"/>
+          </a:solidFill>
+          <a:ln>
+            <a:solidFill>
+              <a:srgbClr val="404040"/>
+            </a:solidFill>
+          </a:ln>
+        </p:spPr>
+        <p:txBody>
+          <a:bodyPr anchor="ctr" anchorCtr="1">
+            <a:normAutofit/>
+          </a:bodyPr>
+          <a:lstStyle>
+            <a:lvl1pPr>
+              <a:defRPr sz="2200">
+                <a:solidFill>
+                  <a:srgbClr val="262626"/>
+                </a:solidFill>
+              </a:defRPr>
+            </a:lvl1pPr>
+          </a:lstStyle>
+          <a:p>
+            <a:r>
+              <a:rPr lang="en-US" smtClean="0"/>
+              <a:t>Click to edit Master title style</a:t>
+            </a:r>
+            <a:endParaRPr lang="en-US" dirty="0"/>
+          </a:p>
+        </p:txBody>
+      </p:sp>
+      <p:sp>
+        <p:nvSpPr>
+          <p:cNvPr id="3" name="Content Placeholder 2"/>
+          <p:cNvSpPr>
+            <a:spLocks noGrp="1"/>
+          </p:cNvSpPr>
+          <p:nvPr>
+            <p:ph idx="1"/>
+          </p:nvPr>
+        </p:nvSpPr>
+        <p:spPr>
+          <a:xfrm>
+            <a:off x="6736080" y="804672"/>
+            <a:ext cx="4815840" cy="5248656"/>
           </a:xfrm>
         </p:spPr>
         <p:txBody>
-          <a:bodyPr anchor="b"/>
+          <a:bodyPr>
+            <a:normAutofit/>
+          </a:bodyPr>
           <a:lstStyle>
             <a:lvl1pPr>
-              <a:defRPr sz="3200"/>
+              <a:defRPr sz="1900">
+                <a:solidFill>
+                  <a:schemeClr val="tx1"/>
+                </a:solidFill>
+              </a:defRPr>
             </a:lvl1pPr>
+            <a:lvl2pPr>
+              <a:defRPr sz="1600">
+                <a:solidFill>
+                  <a:schemeClr val="tx1"/>
+                </a:solidFill>
+              </a:defRPr>
+            </a:lvl2pPr>
+            <a:lvl3pPr>
+              <a:defRPr sz="1600">
+                <a:solidFill>
+                  <a:schemeClr val="tx1"/>
+                </a:solidFill>
+              </a:defRPr>
+            </a:lvl3pPr>
+            <a:lvl4pPr>
+              <a:defRPr sz="1600">
+                <a:solidFill>
+                  <a:schemeClr val="tx1"/>
+                </a:solidFill>
+              </a:defRPr>
+            </a:lvl4pPr>
+            <a:lvl5pPr>
+              <a:defRPr sz="1600">
+                <a:solidFill>
+                  <a:schemeClr val="tx1"/>
+                </a:solidFill>
+              </a:defRPr>
+            </a:lvl5pPr>
+            <a:lvl6pPr>
+              <a:defRPr sz="1600"/>
+            </a:lvl6pPr>
+            <a:lvl7pPr>
+              <a:defRPr sz="1600"/>
+            </a:lvl7pPr>
+            <a:lvl8pPr>
+              <a:defRPr sz="1600"/>
+            </a:lvl8pPr>
+            <a:lvl9pPr>
+              <a:defRPr sz="1600"/>
+            </a:lvl9pPr>
           </a:lstStyle>
           <a:p>
-            <a:r>
-              <a:rPr lang="en-US" smtClean="0"/>
-              <a:t>Click to edit Master title style</a:t>
-            </a:r>
-            <a:endParaRPr lang="en-GB"/>
-          </a:p>
-        </p:txBody>
-      </p:sp>
-      <p:sp>
-        <p:nvSpPr>
-          <p:cNvPr id="3" name="Content Placeholder 2"/>
-          <p:cNvSpPr>
-            <a:spLocks noGrp="1"/>
-          </p:cNvSpPr>
-          <p:nvPr>
-            <p:ph idx="1"/>
+            <a:pPr lvl="0"/>
+            <a:r>
+              <a:rPr lang="en-US" smtClean="0"/>
+              <a:t>Edit Master text styles</a:t>
+            </a:r>
+          </a:p>
+          <a:p>
+            <a:pPr lvl="1"/>
+            <a:r>
+              <a:rPr lang="en-US" smtClean="0"/>
+              <a:t>Second level</a:t>
+            </a:r>
+          </a:p>
+          <a:p>
+            <a:pPr lvl="2"/>
+            <a:r>
+              <a:rPr lang="en-US" smtClean="0"/>
+              <a:t>Third level</a:t>
+            </a:r>
+          </a:p>
+          <a:p>
+            <a:pPr lvl="3"/>
+            <a:r>
+              <a:rPr lang="en-US" smtClean="0"/>
+              <a:t>Fourth level</a:t>
+            </a:r>
+          </a:p>
+          <a:p>
+            <a:pPr lvl="4"/>
+            <a:r>
+              <a:rPr lang="en-US" smtClean="0"/>
+              <a:t>Fifth level</a:t>
+            </a:r>
+            <a:endParaRPr lang="en-US" dirty="0"/>
+          </a:p>
+        </p:txBody>
+      </p:sp>
+      <p:sp>
+        <p:nvSpPr>
+          <p:cNvPr id="4" name="Text Placeholder 3"/>
+          <p:cNvSpPr>
+            <a:spLocks noGrp="1"/>
+          </p:cNvSpPr>
+          <p:nvPr>
+            <p:ph type="body" sz="half" idx="2"/>
           </p:nvPr>
         </p:nvSpPr>
         <p:spPr>
           <a:xfrm>
-            <a:off x="5183188" y="987425"/>
-            <a:ext cx="6172200" cy="4873625"/>
+            <a:off x="1115568" y="3549918"/>
+            <a:ext cx="3794760" cy="2194036"/>
           </a:xfrm>
         </p:spPr>
         <p:txBody>
-          <a:bodyPr/>
+          <a:bodyPr anchor="t" anchorCtr="1">
+            <a:normAutofit/>
+          </a:bodyPr>
           <a:lstStyle>
-            <a:lvl1pPr>
-              <a:defRPr sz="3200"/>
-            </a:lvl1pPr>
-            <a:lvl2pPr>
-              <a:defRPr sz="2800"/>
-            </a:lvl2pPr>
-            <a:lvl3pPr>
-              <a:defRPr sz="2400"/>
-            </a:lvl3pPr>
-            <a:lvl4pPr>
-              <a:defRPr sz="2000"/>
-            </a:lvl4pPr>
-            <a:lvl5pPr>
-              <a:defRPr sz="2000"/>
-            </a:lvl5pPr>
-            <a:lvl6pPr>
-              <a:defRPr sz="2000"/>
-            </a:lvl6pPr>
-            <a:lvl7pPr>
-              <a:defRPr sz="2000"/>
-            </a:lvl7pPr>
-            <a:lvl8pPr>
-              <a:defRPr sz="2000"/>
-            </a:lvl8pPr>
-            <a:lvl9pPr>
-              <a:defRPr sz="2000"/>
-            </a:lvl9pPr>
-          </a:lstStyle>
-          <a:p>
-            <a:pPr lvl="0"/>
-            <a:r>
-              <a:rPr lang="en-US" smtClean="0"/>
-              <a:t>Edit Master text styles</a:t>
-            </a:r>
-          </a:p>
-          <a:p>
-            <a:pPr lvl="1"/>
-            <a:r>
-              <a:rPr lang="en-US" smtClean="0"/>
-              <a:t>Second level</a:t>
-            </a:r>
-          </a:p>
-          <a:p>
-            <a:pPr lvl="2"/>
-            <a:r>
-              <a:rPr lang="en-US" smtClean="0"/>
-              <a:t>Third level</a:t>
-            </a:r>
-          </a:p>
-          <a:p>
-            <a:pPr lvl="3"/>
-            <a:r>
-              <a:rPr lang="en-US" smtClean="0"/>
-              <a:t>Fourth level</a:t>
-            </a:r>
-          </a:p>
-          <a:p>
-            <a:pPr lvl="4"/>
-            <a:r>
-              <a:rPr lang="en-US" smtClean="0"/>
-              <a:t>Fifth level</a:t>
-            </a:r>
-            <a:endParaRPr lang="en-GB"/>
-          </a:p>
-        </p:txBody>
-      </p:sp>
-      <p:sp>
-        <p:nvSpPr>
-          <p:cNvPr id="4" name="Text Placeholder 3"/>
-          <p:cNvSpPr>
-            <a:spLocks noGrp="1"/>
-          </p:cNvSpPr>
-          <p:nvPr>
-            <p:ph type="body" sz="half" idx="2"/>
-          </p:nvPr>
-        </p:nvSpPr>
-        <p:spPr>
-          <a:xfrm>
-            <a:off x="839788" y="2057400"/>
-            <a:ext cx="3932237" cy="3811588"/>
-          </a:xfrm>
-        </p:spPr>
-        <p:txBody>
-          <a:bodyPr/>
-          <a:lstStyle>
-            <a:lvl1pPr marL="0" indent="0">
-              <a:buNone/>
-              <a:defRPr sz="1600"/>
+            <a:lvl1pPr marL="0" indent="0" algn="ctr">
+              <a:buNone/>
+              <a:defRPr sz="1500">
+                <a:solidFill>
+                  <a:srgbClr val="FFFFFF"/>
+                </a:solidFill>
+              </a:defRPr>
             </a:lvl1pPr>
             <a:lvl2pPr marL="457200" indent="0">
               <a:buNone/>
@@ -2090,7 +2238,7 @@
       </p:sp>
       <p:sp>
         <p:nvSpPr>
-          <p:cNvPr id="5" name="Date Placeholder 4"/>
+          <p:cNvPr id="9" name="Date Placeholder 8"/>
           <p:cNvSpPr>
             <a:spLocks noGrp="1"/>
           </p:cNvSpPr>
@@ -2105,7 +2253,7 @@
           <a:p>
             <a:fld id="{8C73A8CE-8DBE-4846-85EC-5C6E1CEE8DAD}" type="datetimeFigureOut">
               <a:rPr lang="en-GB" smtClean="0"/>
-              <a:t>26/11/2019</a:t>
+              <a:t>28/11/2019</a:t>
             </a:fld>
             <a:endParaRPr lang="en-GB"/>
           </a:p>
@@ -2113,7 +2261,7 @@
       </p:sp>
       <p:sp>
         <p:nvSpPr>
-          <p:cNvPr id="6" name="Footer Placeholder 5"/>
+          <p:cNvPr id="10" name="Footer Placeholder 9"/>
           <p:cNvSpPr>
             <a:spLocks noGrp="1"/>
           </p:cNvSpPr>
@@ -2121,10 +2269,25 @@
             <p:ph type="ftr" sz="quarter" idx="11"/>
           </p:nvPr>
         </p:nvSpPr>
-        <p:spPr/>
-        <p:txBody>
-          <a:bodyPr/>
-          <a:lstStyle/>
+        <p:spPr>
+          <a:xfrm>
+            <a:off x="804672" y="6236208"/>
+            <a:ext cx="5124797" cy="320040"/>
+          </a:xfrm>
+        </p:spPr>
+        <p:txBody>
+          <a:bodyPr/>
+          <a:lstStyle>
+            <a:lvl1pPr>
+              <a:defRPr>
+                <a:solidFill>
+                  <a:srgbClr val="FFFFFF">
+                    <a:alpha val="70000"/>
+                  </a:srgbClr>
+                </a:solidFill>
+              </a:defRPr>
+            </a:lvl1pPr>
+          </a:lstStyle>
           <a:p>
             <a:endParaRPr lang="en-GB"/>
           </a:p>
@@ -2132,7 +2295,7 @@
       </p:sp>
       <p:sp>
         <p:nvSpPr>
-          <p:cNvPr id="7" name="Slide Number Placeholder 6"/>
+          <p:cNvPr id="11" name="Slide Number Placeholder 10"/>
           <p:cNvSpPr>
             <a:spLocks noGrp="1"/>
           </p:cNvSpPr>
@@ -2156,7 +2319,7 @@
     </p:spTree>
     <p:extLst>
       <p:ext uri="{BB962C8B-B14F-4D97-AF65-F5344CB8AC3E}">
-        <p14:creationId xmlns:p14="http://schemas.microsoft.com/office/powerpoint/2010/main" val="2496773284"/>
+        <p14:creationId xmlns:p14="http://schemas.microsoft.com/office/powerpoint/2010/main" val="2300458960"/>
       </p:ext>
     </p:extLst>
   </p:cSld>
@@ -2185,25 +2348,77 @@
       </p:grpSpPr>
       <p:sp>
         <p:nvSpPr>
-          <p:cNvPr id="2" name="Title 1"/>
-          <p:cNvSpPr>
-            <a:spLocks noGrp="1"/>
-          </p:cNvSpPr>
-          <p:nvPr>
-            <p:ph type="title"/>
-          </p:nvPr>
+          <p:cNvPr id="18" name="Rectangle 17"/>
+          <p:cNvSpPr/>
+          <p:nvPr/>
         </p:nvSpPr>
         <p:spPr>
           <a:xfrm>
-            <a:off x="839788" y="457200"/>
-            <a:ext cx="3932237" cy="1600200"/>
+            <a:off x="0" y="0"/>
+            <a:ext cx="6095999" cy="6858000"/>
           </a:xfrm>
+          <a:prstGeom prst="rect">
+            <a:avLst/>
+          </a:prstGeom>
+          <a:solidFill>
+            <a:schemeClr val="accent2"/>
+          </a:solidFill>
+          <a:ln>
+            <a:noFill/>
+          </a:ln>
         </p:spPr>
-        <p:txBody>
-          <a:bodyPr anchor="b"/>
+        <p:style>
+          <a:lnRef idx="2">
+            <a:schemeClr val="accent1">
+              <a:shade val="50000"/>
+            </a:schemeClr>
+          </a:lnRef>
+          <a:fillRef idx="1">
+            <a:schemeClr val="accent1"/>
+          </a:fillRef>
+          <a:effectRef idx="0">
+            <a:schemeClr val="accent1"/>
+          </a:effectRef>
+          <a:fontRef idx="minor">
+            <a:schemeClr val="lt1"/>
+          </a:fontRef>
+        </p:style>
+      </p:sp>
+      <p:sp>
+        <p:nvSpPr>
+          <p:cNvPr id="2" name="Title 1"/>
+          <p:cNvSpPr>
+            <a:spLocks noGrp="1"/>
+          </p:cNvSpPr>
+          <p:nvPr>
+            <p:ph type="title"/>
+          </p:nvPr>
+        </p:nvSpPr>
+        <p:spPr bwMode="blackWhite">
+          <a:xfrm>
+            <a:off x="808523" y="2243828"/>
+            <a:ext cx="4494998" cy="1134640"/>
+          </a:xfrm>
+          <a:solidFill>
+            <a:srgbClr val="FFFFFF"/>
+          </a:solidFill>
+          <a:ln>
+            <a:solidFill>
+              <a:srgbClr val="404040"/>
+            </a:solidFill>
+          </a:ln>
+        </p:spPr>
+        <p:txBody>
+          <a:bodyPr anchor="ctr" anchorCtr="1">
+            <a:noAutofit/>
+          </a:bodyPr>
           <a:lstStyle>
             <a:lvl1pPr>
-              <a:defRPr sz="3200"/>
+              <a:defRPr sz="2200">
+                <a:solidFill>
+                  <a:srgbClr val="262626"/>
+                </a:solidFill>
+              </a:defRPr>
             </a:lvl1pPr>
           </a:lstStyle>
           <a:p>
@@ -2211,7 +2426,7 @@
               <a:rPr lang="en-US" smtClean="0"/>
               <a:t>Click to edit Master title style</a:t>
             </a:r>
-            <a:endParaRPr lang="en-GB"/>
+            <a:endParaRPr lang="en-US" dirty="0"/>
           </a:p>
         </p:txBody>
       </p:sp>
@@ -2219,7 +2434,7 @@
         <p:nvSpPr>
           <p:cNvPr id="3" name="Picture Placeholder 2"/>
           <p:cNvSpPr>
-            <a:spLocks noGrp="1"/>
+            <a:spLocks noGrp="1" noChangeAspect="1"/>
           </p:cNvSpPr>
           <p:nvPr>
             <p:ph type="pic" idx="1"/>
@@ -2227,16 +2442,28 @@
         </p:nvSpPr>
         <p:spPr>
           <a:xfrm>
-            <a:off x="5183188" y="987425"/>
-            <a:ext cx="6172200" cy="4873625"/>
+            <a:off x="6095999" y="0"/>
+            <a:ext cx="6102097" cy="6858000"/>
           </a:xfrm>
+          <a:solidFill>
+            <a:schemeClr val="bg1">
+              <a:lumMod val="75000"/>
+            </a:schemeClr>
+          </a:solidFill>
         </p:spPr>
         <p:txBody>
-          <a:bodyPr/>
+          <a:bodyPr anchor="t"/>
           <a:lstStyle>
             <a:lvl1pPr marL="0" indent="0">
               <a:buNone/>
-              <a:defRPr sz="3200"/>
+              <a:defRPr sz="3200">
+                <a:solidFill>
+                  <a:schemeClr val="bg1">
+                    <a:lumMod val="85000"/>
+                    <a:lumOff val="15000"/>
+                  </a:schemeClr>
+                </a:solidFill>
+              </a:defRPr>
             </a:lvl1pPr>
             <a:lvl2pPr marL="457200" indent="0">
               <a:buNone/>
@@ -2272,7 +2499,11 @@
             </a:lvl9pPr>
           </a:lstStyle>
           <a:p>
-            <a:endParaRPr lang="en-GB"/>
+            <a:r>
+              <a:rPr lang="en-US" smtClean="0"/>
+              <a:t>Click icon to add picture</a:t>
+            </a:r>
+            <a:endParaRPr lang="en-US" dirty="0"/>
           </a:p>
         </p:txBody>
       </p:sp>
@@ -2288,16 +2519,22 @@
         </p:nvSpPr>
         <p:spPr>
           <a:xfrm>
-            <a:off x="839788" y="2057400"/>
-            <a:ext cx="3932237" cy="3811588"/>
+            <a:off x="1115568" y="3549918"/>
+            <a:ext cx="3794760" cy="2194037"/>
           </a:xfrm>
         </p:spPr>
         <p:txBody>
-          <a:bodyPr/>
+          <a:bodyPr anchor="t" anchorCtr="1">
+            <a:normAutofit/>
+          </a:bodyPr>
           <a:lstStyle>
-            <a:lvl1pPr marL="0" indent="0">
-              <a:buNone/>
-              <a:defRPr sz="1600"/>
+            <a:lvl1pPr marL="0" indent="0" algn="ctr">
+              <a:buNone/>
+              <a:defRPr sz="1500">
+                <a:solidFill>
+                  <a:srgbClr val="FFFFFF"/>
+                </a:solidFill>
+              </a:defRPr>
             </a:lvl1pPr>
             <a:lvl2pPr marL="457200" indent="0">
               <a:buNone/>
@@ -2343,7 +2580,7 @@
       </p:sp>
       <p:sp>
         <p:nvSpPr>
-          <p:cNvPr id="5" name="Date Placeholder 4"/>
+          <p:cNvPr id="8" name="Date Placeholder 7"/>
           <p:cNvSpPr>
             <a:spLocks noGrp="1"/>
           </p:cNvSpPr>
@@ -2354,11 +2591,26 @@
         <p:spPr/>
         <p:txBody>
           <a:bodyPr/>
-          <a:lstStyle/>
+          <a:lstStyle>
+            <a:lvl1pPr>
+              <a:defRPr>
+                <a:solidFill>
+                  <a:srgbClr val="FFFFFF"/>
+                </a:solidFill>
+                <a:effectLst>
+                  <a:outerShdw blurRad="50800" dist="38100" dir="2700000" algn="tl" rotWithShape="0">
+                    <a:prstClr val="black">
+                      <a:alpha val="43000"/>
+                    </a:prstClr>
+                  </a:outerShdw>
+                </a:effectLst>
+              </a:defRPr>
+            </a:lvl1pPr>
+          </a:lstStyle>
           <a:p>
             <a:fld id="{8C73A8CE-8DBE-4846-85EC-5C6E1CEE8DAD}" type="datetimeFigureOut">
               <a:rPr lang="en-GB" smtClean="0"/>
-              <a:t>26/11/2019</a:t>
+              <a:t>28/11/2019</a:t>
             </a:fld>
             <a:endParaRPr lang="en-GB"/>
           </a:p>
@@ -2366,7 +2618,7 @@
       </p:sp>
       <p:sp>
         <p:nvSpPr>
-          <p:cNvPr id="6" name="Footer Placeholder 5"/>
+          <p:cNvPr id="9" name="Footer Placeholder 8"/>
           <p:cNvSpPr>
             <a:spLocks noGrp="1"/>
           </p:cNvSpPr>
@@ -2374,10 +2626,25 @@
             <p:ph type="ftr" sz="quarter" idx="11"/>
           </p:nvPr>
         </p:nvSpPr>
-        <p:spPr/>
-        <p:txBody>
-          <a:bodyPr/>
-          <a:lstStyle/>
+        <p:spPr>
+          <a:xfrm>
+            <a:off x="804672" y="6236208"/>
+            <a:ext cx="5124797" cy="320040"/>
+          </a:xfrm>
+        </p:spPr>
+        <p:txBody>
+          <a:bodyPr/>
+          <a:lstStyle>
+            <a:lvl1pPr>
+              <a:defRPr>
+                <a:solidFill>
+                  <a:srgbClr val="FFFFFF">
+                    <a:alpha val="70000"/>
+                  </a:srgbClr>
+                </a:solidFill>
+              </a:defRPr>
+            </a:lvl1pPr>
+          </a:lstStyle>
           <a:p>
             <a:endParaRPr lang="en-GB"/>
           </a:p>
@@ -2385,7 +2652,7 @@
       </p:sp>
       <p:sp>
         <p:nvSpPr>
-          <p:cNvPr id="7" name="Slide Number Placeholder 6"/>
+          <p:cNvPr id="10" name="Slide Number Placeholder 9"/>
           <p:cNvSpPr>
             <a:spLocks noGrp="1"/>
           </p:cNvSpPr>
@@ -2409,7 +2676,7 @@
     </p:spTree>
     <p:extLst>
       <p:ext uri="{BB962C8B-B14F-4D97-AF65-F5344CB8AC3E}">
-        <p14:creationId xmlns:p14="http://schemas.microsoft.com/office/powerpoint/2010/main" val="2003621809"/>
+        <p14:creationId xmlns:p14="http://schemas.microsoft.com/office/powerpoint/2010/main" val="3767209568"/>
       </p:ext>
     </p:extLst>
   </p:cSld>
@@ -2423,9 +2690,14 @@
 <p:sldMaster xmlns:a="http://schemas.openxmlformats.org/drawingml/2006/main" xmlns:r="http://schemas.openxmlformats.org/officeDocument/2006/relationships" xmlns:p="http://schemas.openxmlformats.org/presentationml/2006/main">
   <p:cSld>
     <p:bg>
-      <p:bgRef idx="1001">
-        <a:schemeClr val="bg1"/>
-      </p:bgRef>
+      <p:bgPr>
+        <a:solidFill>
+          <a:schemeClr val="bg1">
+            <a:lumMod val="95000"/>
+          </a:schemeClr>
+        </a:solidFill>
+        <a:effectLst/>
+      </p:bgPr>
     </p:bg>
     <p:spTree>
       <p:nvGrpSpPr>
@@ -2451,105 +2723,154 @@
             <p:ph type="title"/>
           </p:nvPr>
         </p:nvSpPr>
+        <p:spPr bwMode="black">
+          <a:xfrm>
+            <a:off x="2231136" y="964692"/>
+            <a:ext cx="7729728" cy="1188720"/>
+          </a:xfrm>
+          <a:prstGeom prst="rect">
+            <a:avLst/>
+          </a:prstGeom>
+          <a:solidFill>
+            <a:srgbClr val="FFFFFF"/>
+          </a:solidFill>
+          <a:ln w="31750" cap="sq">
+            <a:solidFill>
+              <a:srgbClr val="404040"/>
+            </a:solidFill>
+            <a:miter lim="800000"/>
+          </a:ln>
+        </p:spPr>
+        <p:txBody>
+          <a:bodyPr vert="horz" lIns="182880" tIns="182880" rIns="182880" bIns="182880" rtlCol="0" anchor="ctr">
+            <a:normAutofit/>
+          </a:bodyPr>
+          <a:lstStyle/>
+          <a:p>
+            <a:r>
+              <a:rPr lang="en-US" smtClean="0"/>
+              <a:t>Click to edit Master title style</a:t>
+            </a:r>
+            <a:endParaRPr lang="en-US" dirty="0"/>
+          </a:p>
+        </p:txBody>
+      </p:sp>
+      <p:sp>
+        <p:nvSpPr>
+          <p:cNvPr id="3" name="Text Placeholder 2"/>
+          <p:cNvSpPr>
+            <a:spLocks noGrp="1"/>
+          </p:cNvSpPr>
+          <p:nvPr>
+            <p:ph type="body" idx="1"/>
+          </p:nvPr>
+        </p:nvSpPr>
         <p:spPr>
           <a:xfrm>
-            <a:off x="838200" y="365125"/>
-            <a:ext cx="10515600" cy="1325563"/>
+            <a:off x="2231136" y="2638044"/>
+            <a:ext cx="7729728" cy="3101983"/>
           </a:xfrm>
           <a:prstGeom prst="rect">
             <a:avLst/>
           </a:prstGeom>
         </p:spPr>
         <p:txBody>
-          <a:bodyPr vert="horz" lIns="91440" tIns="45720" rIns="91440" bIns="45720" rtlCol="0" anchor="ctr">
+          <a:bodyPr vert="horz" lIns="91440" tIns="45720" rIns="91440" bIns="45720" rtlCol="0">
             <a:normAutofit/>
           </a:bodyPr>
           <a:lstStyle/>
           <a:p>
-            <a:r>
-              <a:rPr lang="en-US" smtClean="0"/>
-              <a:t>Click to edit Master title style</a:t>
-            </a:r>
-            <a:endParaRPr lang="en-GB"/>
-          </a:p>
-        </p:txBody>
-      </p:sp>
-      <p:sp>
-        <p:nvSpPr>
-          <p:cNvPr id="3" name="Text Placeholder 2"/>
-          <p:cNvSpPr>
-            <a:spLocks noGrp="1"/>
-          </p:cNvSpPr>
-          <p:nvPr>
-            <p:ph type="body" idx="1"/>
+            <a:pPr lvl="0"/>
+            <a:r>
+              <a:rPr lang="en-US" dirty="0"/>
+              <a:t>Edit Master text styles</a:t>
+            </a:r>
+          </a:p>
+          <a:p>
+            <a:pPr lvl="1"/>
+            <a:r>
+              <a:rPr lang="en-US" dirty="0"/>
+              <a:t>Second level</a:t>
+            </a:r>
+          </a:p>
+          <a:p>
+            <a:pPr lvl="2"/>
+            <a:r>
+              <a:rPr lang="en-US" dirty="0"/>
+              <a:t>Third level</a:t>
+            </a:r>
+          </a:p>
+          <a:p>
+            <a:pPr lvl="3"/>
+            <a:r>
+              <a:rPr lang="en-US" dirty="0"/>
+              <a:t>Fourth level</a:t>
+            </a:r>
+          </a:p>
+          <a:p>
+            <a:pPr lvl="4"/>
+            <a:r>
+              <a:rPr lang="en-US" dirty="0"/>
+              <a:t>Fifth level</a:t>
+            </a:r>
+          </a:p>
+        </p:txBody>
+      </p:sp>
+      <p:sp>
+        <p:nvSpPr>
+          <p:cNvPr id="4" name="Date Placeholder 3"/>
+          <p:cNvSpPr>
+            <a:spLocks noGrp="1"/>
+          </p:cNvSpPr>
+          <p:nvPr>
+            <p:ph type="dt" sz="half" idx="2"/>
           </p:nvPr>
         </p:nvSpPr>
         <p:spPr>
           <a:xfrm>
-            <a:off x="838200" y="1825625"/>
-            <a:ext cx="10515600" cy="4351338"/>
+            <a:off x="7821429" y="6238816"/>
+            <a:ext cx="2753746" cy="323968"/>
           </a:xfrm>
           <a:prstGeom prst="rect">
             <a:avLst/>
           </a:prstGeom>
         </p:spPr>
         <p:txBody>
-          <a:bodyPr vert="horz" lIns="91440" tIns="45720" rIns="91440" bIns="45720" rtlCol="0">
-            <a:normAutofit/>
-          </a:bodyPr>
-          <a:lstStyle/>
-          <a:p>
-            <a:pPr lvl="0"/>
-            <a:r>
-              <a:rPr lang="en-US" smtClean="0"/>
-              <a:t>Edit Master text styles</a:t>
-            </a:r>
-          </a:p>
-          <a:p>
-            <a:pPr lvl="1"/>
-            <a:r>
-              <a:rPr lang="en-US" smtClean="0"/>
-              <a:t>Second level</a:t>
-            </a:r>
-          </a:p>
-          <a:p>
-            <a:pPr lvl="2"/>
-            <a:r>
-              <a:rPr lang="en-US" smtClean="0"/>
-              <a:t>Third level</a:t>
-            </a:r>
-          </a:p>
-          <a:p>
-            <a:pPr lvl="3"/>
-            <a:r>
-              <a:rPr lang="en-US" smtClean="0"/>
-              <a:t>Fourth level</a:t>
-            </a:r>
-          </a:p>
-          <a:p>
-            <a:pPr lvl="4"/>
-            <a:r>
-              <a:rPr lang="en-US" smtClean="0"/>
-              <a:t>Fifth level</a:t>
-            </a:r>
+          <a:bodyPr vert="horz" lIns="91440" tIns="45720" rIns="91440" bIns="45720" rtlCol="0" anchor="ctr"/>
+          <a:lstStyle>
+            <a:lvl1pPr algn="r">
+              <a:defRPr sz="1050">
+                <a:solidFill>
+                  <a:schemeClr val="tx1">
+                    <a:alpha val="70000"/>
+                  </a:schemeClr>
+                </a:solidFill>
+              </a:defRPr>
+            </a:lvl1pPr>
+          </a:lstStyle>
+          <a:p>
+            <a:fld id="{8C73A8CE-8DBE-4846-85EC-5C6E1CEE8DAD}" type="datetimeFigureOut">
+              <a:rPr lang="en-GB" smtClean="0"/>
+              <a:t>28/11/2019</a:t>
+            </a:fld>
             <a:endParaRPr lang="en-GB"/>
           </a:p>
         </p:txBody>
       </p:sp>
       <p:sp>
         <p:nvSpPr>
-          <p:cNvPr id="4" name="Date Placeholder 3"/>
-          <p:cNvSpPr>
-            <a:spLocks noGrp="1"/>
-          </p:cNvSpPr>
-          <p:nvPr>
-            <p:ph type="dt" sz="half" idx="2"/>
+          <p:cNvPr id="5" name="Footer Placeholder 4"/>
+          <p:cNvSpPr>
+            <a:spLocks noGrp="1"/>
+          </p:cNvSpPr>
+          <p:nvPr>
+            <p:ph type="ftr" sz="quarter" idx="3"/>
           </p:nvPr>
         </p:nvSpPr>
         <p:spPr>
           <a:xfrm>
-            <a:off x="838200" y="6356350"/>
-            <a:ext cx="2743200" cy="365125"/>
+            <a:off x="1600200" y="6236208"/>
+            <a:ext cx="5901189" cy="320040"/>
           </a:xfrm>
           <a:prstGeom prst="rect">
             <a:avLst/>
@@ -2559,89 +2880,53 @@
           <a:bodyPr vert="horz" lIns="91440" tIns="45720" rIns="91440" bIns="45720" rtlCol="0" anchor="ctr"/>
           <a:lstStyle>
             <a:lvl1pPr algn="l">
-              <a:defRPr sz="1200">
+              <a:defRPr sz="1050">
                 <a:solidFill>
                   <a:schemeClr val="tx1">
-                    <a:tint val="75000"/>
+                    <a:alpha val="70000"/>
                   </a:schemeClr>
                 </a:solidFill>
               </a:defRPr>
             </a:lvl1pPr>
           </a:lstStyle>
           <a:p>
-            <a:fld id="{8C73A8CE-8DBE-4846-85EC-5C6E1CEE8DAD}" type="datetimeFigureOut">
-              <a:rPr lang="en-GB" smtClean="0"/>
-              <a:t>26/11/2019</a:t>
-            </a:fld>
             <a:endParaRPr lang="en-GB"/>
           </a:p>
         </p:txBody>
       </p:sp>
       <p:sp>
         <p:nvSpPr>
-          <p:cNvPr id="5" name="Footer Placeholder 4"/>
-          <p:cNvSpPr>
-            <a:spLocks noGrp="1"/>
-          </p:cNvSpPr>
-          <p:nvPr>
-            <p:ph type="ftr" sz="quarter" idx="3"/>
+          <p:cNvPr id="6" name="Slide Number Placeholder 5"/>
+          <p:cNvSpPr>
+            <a:spLocks noGrp="1"/>
+          </p:cNvSpPr>
+          <p:nvPr>
+            <p:ph type="sldNum" sz="quarter" idx="4"/>
           </p:nvPr>
         </p:nvSpPr>
         <p:spPr>
           <a:xfrm>
-            <a:off x="4038600" y="6356350"/>
-            <a:ext cx="4114800" cy="365125"/>
+            <a:off x="10758922" y="6217920"/>
+            <a:ext cx="365760" cy="365760"/>
           </a:xfrm>
-          <a:prstGeom prst="rect">
+          <a:prstGeom prst="ellipse">
             <a:avLst/>
           </a:prstGeom>
+          <a:solidFill>
+            <a:srgbClr val="1D1D1D">
+              <a:alpha val="70000"/>
+            </a:srgbClr>
+          </a:solidFill>
         </p:spPr>
         <p:txBody>
-          <a:bodyPr vert="horz" lIns="91440" tIns="45720" rIns="91440" bIns="45720" rtlCol="0" anchor="ctr"/>
+          <a:bodyPr vert="horz" lIns="18288" tIns="45720" rIns="18288" bIns="45720" rtlCol="0" anchor="ctr">
+            <a:noAutofit/>
+          </a:bodyPr>
           <a:lstStyle>
             <a:lvl1pPr algn="ctr">
-              <a:defRPr sz="1200">
+              <a:defRPr sz="1100" spc="0" baseline="0">
                 <a:solidFill>
-                  <a:schemeClr val="tx1">
-                    <a:tint val="75000"/>
-                  </a:schemeClr>
-                </a:solidFill>
-              </a:defRPr>
-            </a:lvl1pPr>
-          </a:lstStyle>
-          <a:p>
-            <a:endParaRPr lang="en-GB"/>
-          </a:p>
-        </p:txBody>
-      </p:sp>
-      <p:sp>
-        <p:nvSpPr>
-          <p:cNvPr id="6" name="Slide Number Placeholder 5"/>
-          <p:cNvSpPr>
-            <a:spLocks noGrp="1"/>
-          </p:cNvSpPr>
-          <p:nvPr>
-            <p:ph type="sldNum" sz="quarter" idx="4"/>
-          </p:nvPr>
-        </p:nvSpPr>
-        <p:spPr>
-          <a:xfrm>
-            <a:off x="8610600" y="6356350"/>
-            <a:ext cx="2743200" cy="365125"/>
-          </a:xfrm>
-          <a:prstGeom prst="rect">
-            <a:avLst/>
-          </a:prstGeom>
-        </p:spPr>
-        <p:txBody>
-          <a:bodyPr vert="horz" lIns="91440" tIns="45720" rIns="91440" bIns="45720" rtlCol="0" anchor="ctr"/>
-          <a:lstStyle>
-            <a:lvl1pPr algn="r">
-              <a:defRPr sz="1200">
-                <a:solidFill>
-                  <a:schemeClr val="tx1">
-                    <a:tint val="75000"/>
-                  </a:schemeClr>
+                  <a:srgbClr val="FFFFFF"/>
                 </a:solidFill>
               </a:defRPr>
             </a:lvl1pPr>
@@ -2658,27 +2943,27 @@
     </p:spTree>
     <p:extLst>
       <p:ext uri="{BB962C8B-B14F-4D97-AF65-F5344CB8AC3E}">
-        <p14:creationId xmlns:p14="http://schemas.microsoft.com/office/powerpoint/2010/main" val="729319124"/>
+        <p14:creationId xmlns:p14="http://schemas.microsoft.com/office/powerpoint/2010/main" val="3878790319"/>
       </p:ext>
     </p:extLst>
   </p:cSld>
   <p:clrMap bg1="lt1" tx1="dk1" bg2="lt2" tx2="dk2" accent1="accent1" accent2="accent2" accent3="accent3" accent4="accent4" accent5="accent5" accent6="accent6" hlink="hlink" folHlink="folHlink"/>
   <p:sldLayoutIdLst>
-    <p:sldLayoutId id="2147483649" r:id="rId1"/>
-    <p:sldLayoutId id="2147483650" r:id="rId2"/>
-    <p:sldLayoutId id="2147483651" r:id="rId3"/>
-    <p:sldLayoutId id="2147483652" r:id="rId4"/>
-    <p:sldLayoutId id="2147483653" r:id="rId5"/>
-    <p:sldLayoutId id="2147483654" r:id="rId6"/>
-    <p:sldLayoutId id="2147483655" r:id="rId7"/>
-    <p:sldLayoutId id="2147483656" r:id="rId8"/>
-    <p:sldLayoutId id="2147483657" r:id="rId9"/>
-    <p:sldLayoutId id="2147483658" r:id="rId10"/>
-    <p:sldLayoutId id="2147483659" r:id="rId11"/>
+    <p:sldLayoutId id="2147483661" r:id="rId1"/>
+    <p:sldLayoutId id="2147483662" r:id="rId2"/>
+    <p:sldLayoutId id="2147483663" r:id="rId3"/>
+    <p:sldLayoutId id="2147483664" r:id="rId4"/>
+    <p:sldLayoutId id="2147483665" r:id="rId5"/>
+    <p:sldLayoutId id="2147483666" r:id="rId6"/>
+    <p:sldLayoutId id="2147483667" r:id="rId7"/>
+    <p:sldLayoutId id="2147483668" r:id="rId8"/>
+    <p:sldLayoutId id="2147483669" r:id="rId9"/>
+    <p:sldLayoutId id="2147483670" r:id="rId10"/>
+    <p:sldLayoutId id="2147483671" r:id="rId11"/>
   </p:sldLayoutIdLst>
   <p:txStyles>
     <p:titleStyle>
-      <a:lvl1pPr algn="l" defTabSz="914400" rtl="0" eaLnBrk="1" latinLnBrk="0" hangingPunct="1">
+      <a:lvl1pPr algn="ctr" defTabSz="914400" rtl="0" eaLnBrk="1" latinLnBrk="0" hangingPunct="1">
         <a:lnSpc>
           <a:spcPct val="90000"/>
         </a:lnSpc>
@@ -2686,9 +2971,9 @@
           <a:spcPct val="0"/>
         </a:spcBef>
         <a:buNone/>
-        <a:defRPr sz="4400" kern="1200">
+        <a:defRPr sz="2800" kern="1200" cap="all" spc="200" baseline="0">
           <a:solidFill>
-            <a:schemeClr val="tx1"/>
+            <a:srgbClr val="262626"/>
           </a:solidFill>
           <a:latin typeface="+mj-lt"/>
           <a:ea typeface="+mj-ea"/>
@@ -2699,104 +2984,137 @@
     <p:bodyStyle>
       <a:lvl1pPr marL="228600" indent="-228600" algn="l" defTabSz="914400" rtl="0" eaLnBrk="1" latinLnBrk="0" hangingPunct="1">
         <a:lnSpc>
-          <a:spcPct val="90000"/>
+          <a:spcPct val="100000"/>
         </a:lnSpc>
         <a:spcBef>
           <a:spcPts val="1000"/>
         </a:spcBef>
+        <a:buClr>
+          <a:schemeClr val="accent2"/>
+        </a:buClr>
         <a:buFont typeface="Arial" panose="020B0604020202020204" pitchFamily="34" charset="0"/>
         <a:buChar char="•"/>
-        <a:defRPr sz="2800" kern="1200">
+        <a:defRPr sz="1800" kern="1200">
           <a:solidFill>
-            <a:schemeClr val="tx1"/>
+            <a:schemeClr val="tx1">
+              <a:lumMod val="85000"/>
+              <a:lumOff val="15000"/>
+            </a:schemeClr>
           </a:solidFill>
           <a:latin typeface="+mn-lt"/>
           <a:ea typeface="+mn-ea"/>
           <a:cs typeface="+mn-cs"/>
         </a:defRPr>
       </a:lvl1pPr>
-      <a:lvl2pPr marL="685800" indent="-228600" algn="l" defTabSz="914400" rtl="0" eaLnBrk="1" latinLnBrk="0" hangingPunct="1">
+      <a:lvl2pPr marL="457200" indent="-228600" algn="l" defTabSz="914400" rtl="0" eaLnBrk="1" latinLnBrk="0" hangingPunct="1">
         <a:lnSpc>
-          <a:spcPct val="90000"/>
+          <a:spcPct val="100000"/>
         </a:lnSpc>
         <a:spcBef>
-          <a:spcPts val="500"/>
+          <a:spcPts val="1000"/>
         </a:spcBef>
+        <a:buClr>
+          <a:schemeClr val="accent2"/>
+        </a:buClr>
         <a:buFont typeface="Arial" panose="020B0604020202020204" pitchFamily="34" charset="0"/>
         <a:buChar char="•"/>
-        <a:defRPr sz="2400" kern="1200">
+        <a:defRPr sz="1600" kern="1200">
           <a:solidFill>
-            <a:schemeClr val="tx1"/>
+            <a:schemeClr val="tx1">
+              <a:lumMod val="85000"/>
+              <a:lumOff val="15000"/>
+            </a:schemeClr>
           </a:solidFill>
           <a:latin typeface="+mn-lt"/>
           <a:ea typeface="+mn-ea"/>
           <a:cs typeface="+mn-cs"/>
         </a:defRPr>
       </a:lvl2pPr>
-      <a:lvl3pPr marL="1143000" indent="-228600" algn="l" defTabSz="914400" rtl="0" eaLnBrk="1" latinLnBrk="0" hangingPunct="1">
+      <a:lvl3pPr marL="685800" indent="-228600" algn="l" defTabSz="914400" rtl="0" eaLnBrk="1" latinLnBrk="0" hangingPunct="1">
         <a:lnSpc>
-          <a:spcPct val="90000"/>
+          <a:spcPct val="100000"/>
         </a:lnSpc>
         <a:spcBef>
-          <a:spcPts val="500"/>
+          <a:spcPts val="1000"/>
         </a:spcBef>
+        <a:buClr>
+          <a:schemeClr val="accent2"/>
+        </a:buClr>
         <a:buFont typeface="Arial" panose="020B0604020202020204" pitchFamily="34" charset="0"/>
         <a:buChar char="•"/>
-        <a:defRPr sz="2000" kern="1200">
+        <a:defRPr sz="1600" kern="1200">
           <a:solidFill>
-            <a:schemeClr val="tx1"/>
+            <a:schemeClr val="tx1">
+              <a:lumMod val="85000"/>
+              <a:lumOff val="15000"/>
+            </a:schemeClr>
           </a:solidFill>
           <a:latin typeface="+mn-lt"/>
           <a:ea typeface="+mn-ea"/>
           <a:cs typeface="+mn-cs"/>
         </a:defRPr>
       </a:lvl3pPr>
-      <a:lvl4pPr marL="1600200" indent="-228600" algn="l" defTabSz="914400" rtl="0" eaLnBrk="1" latinLnBrk="0" hangingPunct="1">
+      <a:lvl4pPr marL="914400" indent="-228600" algn="l" defTabSz="914400" rtl="0" eaLnBrk="1" latinLnBrk="0" hangingPunct="1">
         <a:lnSpc>
-          <a:spcPct val="90000"/>
+          <a:spcPct val="100000"/>
         </a:lnSpc>
         <a:spcBef>
-          <a:spcPts val="500"/>
+          <a:spcPts val="1000"/>
         </a:spcBef>
+        <a:buClr>
+          <a:schemeClr val="accent2"/>
+        </a:buClr>
         <a:buFont typeface="Arial" panose="020B0604020202020204" pitchFamily="34" charset="0"/>
         <a:buChar char="•"/>
-        <a:defRPr sz="1800" kern="1200">
+        <a:defRPr sz="1600" kern="1200">
           <a:solidFill>
-            <a:schemeClr val="tx1"/>
+            <a:schemeClr val="tx1">
+              <a:lumMod val="85000"/>
+              <a:lumOff val="15000"/>
+            </a:schemeClr>
           </a:solidFill>
           <a:latin typeface="+mn-lt"/>
           <a:ea typeface="+mn-ea"/>
           <a:cs typeface="+mn-cs"/>
         </a:defRPr>
       </a:lvl4pPr>
-      <a:lvl5pPr marL="2057400" indent="-228600" algn="l" defTabSz="914400" rtl="0" eaLnBrk="1" latinLnBrk="0" hangingPunct="1">
+      <a:lvl5pPr marL="1143000" indent="-228600" algn="l" defTabSz="914400" rtl="0" eaLnBrk="1" latinLnBrk="0" hangingPunct="1">
         <a:lnSpc>
-          <a:spcPct val="90000"/>
+          <a:spcPct val="100000"/>
         </a:lnSpc>
         <a:spcBef>
-          <a:spcPts val="500"/>
+          <a:spcPts val="1000"/>
         </a:spcBef>
+        <a:buClr>
+          <a:schemeClr val="accent2"/>
+        </a:buClr>
         <a:buFont typeface="Arial" panose="020B0604020202020204" pitchFamily="34" charset="0"/>
         <a:buChar char="•"/>
-        <a:defRPr sz="1800" kern="1200">
+        <a:defRPr sz="1600" kern="1200">
           <a:solidFill>
-            <a:schemeClr val="tx1"/>
+            <a:schemeClr val="tx1">
+              <a:lumMod val="85000"/>
+              <a:lumOff val="15000"/>
+            </a:schemeClr>
           </a:solidFill>
           <a:latin typeface="+mn-lt"/>
           <a:ea typeface="+mn-ea"/>
           <a:cs typeface="+mn-cs"/>
         </a:defRPr>
       </a:lvl5pPr>
-      <a:lvl6pPr marL="2514600" indent="-228600" algn="l" defTabSz="914400" rtl="0" eaLnBrk="1" latinLnBrk="0" hangingPunct="1">
+      <a:lvl6pPr marL="1312863" indent="-228600" algn="l" defTabSz="914400" rtl="0" eaLnBrk="1" latinLnBrk="0" hangingPunct="1">
         <a:lnSpc>
-          <a:spcPct val="90000"/>
+          <a:spcPct val="100000"/>
         </a:lnSpc>
         <a:spcBef>
-          <a:spcPts val="500"/>
+          <a:spcPts val="1000"/>
         </a:spcBef>
+        <a:buClr>
+          <a:schemeClr val="accent2"/>
+        </a:buClr>
         <a:buFont typeface="Arial" panose="020B0604020202020204" pitchFamily="34" charset="0"/>
         <a:buChar char="•"/>
-        <a:defRPr sz="1800" kern="1200">
+        <a:defRPr sz="1600" kern="1200">
           <a:solidFill>
             <a:schemeClr val="tx1"/>
           </a:solidFill>
@@ -2805,16 +3123,19 @@
           <a:cs typeface="+mn-cs"/>
         </a:defRPr>
       </a:lvl6pPr>
-      <a:lvl7pPr marL="2971800" indent="-228600" algn="l" defTabSz="914400" rtl="0" eaLnBrk="1" latinLnBrk="0" hangingPunct="1">
+      <a:lvl7pPr marL="1484313" indent="-228600" algn="l" defTabSz="914400" rtl="0" eaLnBrk="1" latinLnBrk="0" hangingPunct="1">
         <a:lnSpc>
-          <a:spcPct val="90000"/>
+          <a:spcPct val="100000"/>
         </a:lnSpc>
         <a:spcBef>
-          <a:spcPts val="500"/>
+          <a:spcPts val="1000"/>
         </a:spcBef>
+        <a:buClr>
+          <a:schemeClr val="accent2"/>
+        </a:buClr>
         <a:buFont typeface="Arial" panose="020B0604020202020204" pitchFamily="34" charset="0"/>
         <a:buChar char="•"/>
-        <a:defRPr sz="1800" kern="1200">
+        <a:defRPr sz="1600" kern="1200">
           <a:solidFill>
             <a:schemeClr val="tx1"/>
           </a:solidFill>
@@ -2823,16 +3144,19 @@
           <a:cs typeface="+mn-cs"/>
         </a:defRPr>
       </a:lvl7pPr>
-      <a:lvl8pPr marL="3429000" indent="-228600" algn="l" defTabSz="914400" rtl="0" eaLnBrk="1" latinLnBrk="0" hangingPunct="1">
+      <a:lvl8pPr marL="1657350" indent="-228600" algn="l" defTabSz="914400" rtl="0" eaLnBrk="1" latinLnBrk="0" hangingPunct="1">
         <a:lnSpc>
-          <a:spcPct val="90000"/>
+          <a:spcPct val="100000"/>
         </a:lnSpc>
         <a:spcBef>
-          <a:spcPts val="500"/>
+          <a:spcPts val="1000"/>
         </a:spcBef>
+        <a:buClr>
+          <a:schemeClr val="accent2"/>
+        </a:buClr>
         <a:buFont typeface="Arial" panose="020B0604020202020204" pitchFamily="34" charset="0"/>
         <a:buChar char="•"/>
-        <a:defRPr sz="1800" kern="1200">
+        <a:defRPr sz="1600" kern="1200" baseline="0">
           <a:solidFill>
             <a:schemeClr val="tx1"/>
           </a:solidFill>
@@ -2841,16 +3165,19 @@
           <a:cs typeface="+mn-cs"/>
         </a:defRPr>
       </a:lvl8pPr>
-      <a:lvl9pPr marL="3886200" indent="-228600" algn="l" defTabSz="914400" rtl="0" eaLnBrk="1" latinLnBrk="0" hangingPunct="1">
+      <a:lvl9pPr marL="1882775" indent="-228600" algn="l" defTabSz="914400" rtl="0" eaLnBrk="1" latinLnBrk="0" hangingPunct="1">
         <a:lnSpc>
-          <a:spcPct val="90000"/>
+          <a:spcPct val="100000"/>
         </a:lnSpc>
         <a:spcBef>
-          <a:spcPts val="500"/>
+          <a:spcPts val="1000"/>
         </a:spcBef>
+        <a:buClr>
+          <a:schemeClr val="accent2"/>
+        </a:buClr>
         <a:buFont typeface="Arial" panose="020B0604020202020204" pitchFamily="34" charset="0"/>
         <a:buChar char="•"/>
-        <a:defRPr sz="1800" kern="1200">
+        <a:defRPr sz="1600" kern="1200" baseline="0">
           <a:solidFill>
             <a:schemeClr val="tx1"/>
           </a:solidFill>
@@ -3167,7 +3494,12 @@
             <p:ph type="title"/>
           </p:nvPr>
         </p:nvSpPr>
-        <p:spPr/>
+        <p:spPr>
+          <a:xfrm>
+            <a:off x="838200" y="535128"/>
+            <a:ext cx="6526876" cy="1188720"/>
+          </a:xfrm>
+        </p:spPr>
         <p:txBody>
           <a:bodyPr/>
           <a:lstStyle/>
@@ -3377,7 +3709,12 @@
             <p:ph type="title"/>
           </p:nvPr>
         </p:nvSpPr>
-        <p:spPr/>
+        <p:spPr>
+          <a:xfrm>
+            <a:off x="2231136" y="823369"/>
+            <a:ext cx="7729728" cy="1188720"/>
+          </a:xfrm>
+        </p:spPr>
         <p:txBody>
           <a:bodyPr/>
           <a:lstStyle/>
@@ -3402,8 +3739,8 @@
         </p:nvSpPr>
         <p:spPr>
           <a:xfrm>
-            <a:off x="838200" y="2033442"/>
-            <a:ext cx="5122025" cy="4351338"/>
+            <a:off x="3440077" y="2432456"/>
+            <a:ext cx="5122025" cy="2139547"/>
           </a:xfrm>
         </p:spPr>
         <p:txBody>
@@ -3412,6 +3749,21 @@
           </a:bodyPr>
           <a:lstStyle/>
           <a:p>
+            <a:pPr algn="ctr"/>
+            <a:r>
+              <a:rPr lang="en-GB" sz="2000" dirty="0" smtClean="0"/>
+              <a:t>In the game you are based inside a restaurant or café, for this reason I have gathered some noises and ambience for a café or restaurant.</a:t>
+            </a:r>
+          </a:p>
+          <a:p>
+            <a:pPr algn="ctr"/>
+            <a:r>
+              <a:rPr lang="en-GB" sz="2000" dirty="0" smtClean="0"/>
+              <a:t>As well as this when the character jumps or runs into a wall it will produce a sound effect that.</a:t>
+            </a:r>
+          </a:p>
+          <a:p>
+            <a:pPr algn="ctr"/>
             <a:endParaRPr lang="en-GB" sz="2000" dirty="0"/>
           </a:p>
         </p:txBody>
@@ -3463,7 +3815,12 @@
             <p:ph type="title"/>
           </p:nvPr>
         </p:nvSpPr>
-        <p:spPr/>
+        <p:spPr>
+          <a:xfrm>
+            <a:off x="2231136" y="432678"/>
+            <a:ext cx="7729728" cy="1188720"/>
+          </a:xfrm>
+        </p:spPr>
         <p:txBody>
           <a:bodyPr/>
           <a:lstStyle/>
@@ -3497,6 +3854,22 @@
             <a:normAutofit/>
           </a:bodyPr>
           <a:lstStyle/>
+          <a:p>
+            <a:r>
+              <a:rPr lang="en-GB" sz="2000" dirty="0" smtClean="0"/>
+              <a:t>A piece of baco</a:t>
+            </a:r>
+            <a:r>
+              <a:rPr lang="en-GB" sz="2000" dirty="0" smtClean="0"/>
+              <a:t>n is not known to jump or carry things yet this piece can do just that.</a:t>
+            </a:r>
+          </a:p>
+          <a:p>
+            <a:r>
+              <a:rPr lang="en-GB" sz="2000" dirty="0" smtClean="0"/>
+              <a:t>The parkour animations are going to consist mainly of swash and stretch similar to Disney cartoons in there extremity’s.</a:t>
+            </a:r>
+          </a:p>
           <a:p>
             <a:endParaRPr lang="en-GB" sz="2000" dirty="0"/>
           </a:p>
@@ -3549,59 +3922,32 @@
             <p:ph type="title"/>
           </p:nvPr>
         </p:nvSpPr>
-        <p:spPr/>
-        <p:txBody>
-          <a:bodyPr/>
-          <a:lstStyle/>
-          <a:p>
-            <a:r>
-              <a:rPr lang="en-GB" dirty="0" smtClean="0"/>
-              <a:t>Gameplay Overview.</a:t>
-            </a:r>
-            <a:endParaRPr lang="en-GB" dirty="0"/>
-          </a:p>
-        </p:txBody>
-      </p:sp>
-      <p:sp>
-        <p:nvSpPr>
-          <p:cNvPr id="3" name="Content Placeholder 2"/>
-          <p:cNvSpPr>
-            <a:spLocks noGrp="1"/>
-          </p:cNvSpPr>
-          <p:nvPr>
-            <p:ph idx="1"/>
-          </p:nvPr>
-        </p:nvSpPr>
         <p:spPr>
           <a:xfrm>
-            <a:off x="838200" y="2033442"/>
-            <a:ext cx="5122025" cy="4351338"/>
+            <a:off x="870667" y="2684376"/>
+            <a:ext cx="10515600" cy="1325563"/>
           </a:xfrm>
         </p:spPr>
         <p:txBody>
-          <a:bodyPr>
-            <a:normAutofit/>
-          </a:bodyPr>
-          <a:lstStyle/>
-          <a:p>
-            <a:r>
-              <a:rPr lang="en-GB" sz="2000" dirty="0" smtClean="0"/>
-              <a:t>This third person</a:t>
-            </a:r>
-          </a:p>
-          <a:p>
-            <a:r>
-              <a:rPr lang="en-GB" sz="2000" dirty="0" smtClean="0"/>
-              <a:t>Hazards</a:t>
-            </a:r>
-            <a:endParaRPr lang="en-GB" sz="2000" dirty="0"/>
+          <a:bodyPr/>
+          <a:lstStyle/>
+          <a:p>
+            <a:r>
+              <a:rPr lang="en-GB" dirty="0"/>
+              <a:t>T</a:t>
+            </a:r>
+            <a:r>
+              <a:rPr lang="en-GB" dirty="0" smtClean="0"/>
+              <a:t>his is achievable.</a:t>
+            </a:r>
+            <a:endParaRPr lang="en-GB" dirty="0"/>
           </a:p>
         </p:txBody>
       </p:sp>
     </p:spTree>
     <p:extLst>
       <p:ext uri="{BB962C8B-B14F-4D97-AF65-F5344CB8AC3E}">
-        <p14:creationId xmlns:p14="http://schemas.microsoft.com/office/powerpoint/2010/main" val="2606111224"/>
+        <p14:creationId xmlns:p14="http://schemas.microsoft.com/office/powerpoint/2010/main" val="2235104649"/>
       </p:ext>
     </p:extLst>
   </p:cSld>
@@ -3647,8 +3993,8 @@
         </p:nvSpPr>
         <p:spPr>
           <a:xfrm>
-            <a:off x="3656214" y="2684376"/>
-            <a:ext cx="10515600" cy="1325563"/>
+            <a:off x="4753492" y="2659438"/>
+            <a:ext cx="2644833" cy="1325563"/>
           </a:xfrm>
         </p:spPr>
         <p:txBody>
@@ -3656,100 +4002,10 @@
           <a:lstStyle/>
           <a:p>
             <a:r>
-              <a:rPr lang="en-GB" dirty="0"/>
-              <a:t>T</a:t>
-            </a:r>
-            <a:r>
-              <a:rPr lang="en-GB" dirty="0" smtClean="0"/>
-              <a:t>his is achievable.</a:t>
-            </a:r>
-            <a:endParaRPr lang="en-GB" dirty="0"/>
-          </a:p>
-        </p:txBody>
-      </p:sp>
-    </p:spTree>
-    <p:extLst>
-      <p:ext uri="{BB962C8B-B14F-4D97-AF65-F5344CB8AC3E}">
-        <p14:creationId xmlns:p14="http://schemas.microsoft.com/office/powerpoint/2010/main" val="2235104649"/>
-      </p:ext>
-    </p:extLst>
-  </p:cSld>
-  <p:clrMapOvr>
-    <a:masterClrMapping/>
-  </p:clrMapOvr>
-  <p:timing>
-    <p:tnLst>
-      <p:par>
-        <p:cTn id="1" dur="indefinite" restart="never" nodeType="tmRoot"/>
-      </p:par>
-    </p:tnLst>
-  </p:timing>
-</p:sld>
-</file>
-
-<file path=ppt/slides/slide8.xml><?xml version="1.0" encoding="utf-8"?>
-<p:sld xmlns:a="http://schemas.openxmlformats.org/drawingml/2006/main" xmlns:r="http://schemas.openxmlformats.org/officeDocument/2006/relationships" xmlns:p="http://schemas.openxmlformats.org/presentationml/2006/main">
-  <p:cSld>
-    <p:spTree>
-      <p:nvGrpSpPr>
-        <p:cNvPr id="1" name=""/>
-        <p:cNvGrpSpPr/>
-        <p:nvPr/>
-      </p:nvGrpSpPr>
-      <p:grpSpPr>
-        <a:xfrm>
-          <a:off x="0" y="0"/>
-          <a:ext cx="0" cy="0"/>
-          <a:chOff x="0" y="0"/>
-          <a:chExt cx="0" cy="0"/>
-        </a:xfrm>
-      </p:grpSpPr>
-      <p:sp>
-        <p:nvSpPr>
-          <p:cNvPr id="2" name="Title 1"/>
-          <p:cNvSpPr>
-            <a:spLocks noGrp="1"/>
-          </p:cNvSpPr>
-          <p:nvPr>
-            <p:ph type="title"/>
-          </p:nvPr>
-        </p:nvSpPr>
-        <p:spPr/>
-        <p:txBody>
-          <a:bodyPr/>
-          <a:lstStyle/>
-          <a:p>
-            <a:r>
               <a:rPr lang="en-GB" dirty="0" smtClean="0"/>
               <a:t>Prototype.</a:t>
             </a:r>
             <a:endParaRPr lang="en-GB" dirty="0"/>
-          </a:p>
-        </p:txBody>
-      </p:sp>
-      <p:sp>
-        <p:nvSpPr>
-          <p:cNvPr id="3" name="Content Placeholder 2"/>
-          <p:cNvSpPr>
-            <a:spLocks noGrp="1"/>
-          </p:cNvSpPr>
-          <p:nvPr>
-            <p:ph idx="1"/>
-          </p:nvPr>
-        </p:nvSpPr>
-        <p:spPr>
-          <a:xfrm>
-            <a:off x="838200" y="2033442"/>
-            <a:ext cx="5122025" cy="4351338"/>
-          </a:xfrm>
-        </p:spPr>
-        <p:txBody>
-          <a:bodyPr>
-            <a:normAutofit/>
-          </a:bodyPr>
-          <a:lstStyle/>
-          <a:p>
-            <a:endParaRPr lang="en-GB" sz="2000" dirty="0"/>
           </a:p>
         </p:txBody>
       </p:sp>
@@ -3774,91 +4030,58 @@
 </file>
 
 <file path=ppt/theme/theme1.xml><?xml version="1.0" encoding="utf-8"?>
-<a:theme xmlns:a="http://schemas.openxmlformats.org/drawingml/2006/main" name="Office Theme">
+<a:theme xmlns:a="http://schemas.openxmlformats.org/drawingml/2006/main" name="Parcel">
   <a:themeElements>
-    <a:clrScheme name="Office">
+    <a:clrScheme name="Parcel">
       <a:dk1>
-        <a:sysClr val="windowText" lastClr="000000"/>
+        <a:srgbClr val="000000"/>
       </a:dk1>
       <a:lt1>
-        <a:sysClr val="window" lastClr="FFFFFF"/>
+        <a:srgbClr val="FFFFFF"/>
       </a:lt1>
       <a:dk2>
-        <a:srgbClr val="44546A"/>
+        <a:srgbClr val="4A5356"/>
       </a:dk2>
       <a:lt2>
-        <a:srgbClr val="E7E6E6"/>
+        <a:srgbClr val="E8E3CE"/>
       </a:lt2>
       <a:accent1>
-        <a:srgbClr val="5B9BD5"/>
+        <a:srgbClr val="F6A21D"/>
       </a:accent1>
       <a:accent2>
-        <a:srgbClr val="ED7D31"/>
+        <a:srgbClr val="9BAFB5"/>
       </a:accent2>
       <a:accent3>
-        <a:srgbClr val="A5A5A5"/>
+        <a:srgbClr val="C96731"/>
       </a:accent3>
       <a:accent4>
-        <a:srgbClr val="FFC000"/>
+        <a:srgbClr val="9CA383"/>
       </a:accent4>
       <a:accent5>
-        <a:srgbClr val="4472C4"/>
+        <a:srgbClr val="87795D"/>
       </a:accent5>
       <a:accent6>
-        <a:srgbClr val="70AD47"/>
+        <a:srgbClr val="A0988C"/>
       </a:accent6>
       <a:hlink>
-        <a:srgbClr val="0563C1"/>
+        <a:srgbClr val="00B0F0"/>
       </a:hlink>
       <a:folHlink>
-        <a:srgbClr val="954F72"/>
+        <a:srgbClr val="738F97"/>
       </a:folHlink>
     </a:clrScheme>
-    <a:fontScheme name="Office">
+    <a:fontScheme name="Parcel">
       <a:majorFont>
-        <a:latin typeface="Calibri Light" panose="020F0302020204030204"/>
+        <a:latin typeface="Gill Sans MT" panose="020B0502020104020203"/>
         <a:ea typeface=""/>
         <a:cs typeface=""/>
-        <a:font script="Jpan" typeface="游ゴシック Light"/>
-        <a:font script="Hang" typeface="맑은 고딕"/>
-        <a:font script="Hans" typeface="等线 Light"/>
-        <a:font script="Hant" typeface="新細明體"/>
-        <a:font script="Arab" typeface="Times New Roman"/>
-        <a:font script="Hebr" typeface="Times New Roman"/>
-        <a:font script="Thai" typeface="Angsana New"/>
-        <a:font script="Ethi" typeface="Nyala"/>
-        <a:font script="Beng" typeface="Vrinda"/>
-        <a:font script="Gujr" typeface="Shruti"/>
-        <a:font script="Khmr" typeface="MoolBoran"/>
-        <a:font script="Knda" typeface="Tunga"/>
-        <a:font script="Guru" typeface="Raavi"/>
-        <a:font script="Cans" typeface="Euphemia"/>
-        <a:font script="Cher" typeface="Plantagenet Cherokee"/>
-        <a:font script="Yiii" typeface="Microsoft Yi Baiti"/>
-        <a:font script="Tibt" typeface="Microsoft Himalaya"/>
-        <a:font script="Thaa" typeface="MV Boli"/>
-        <a:font script="Deva" typeface="Mangal"/>
-        <a:font script="Telu" typeface="Gautami"/>
-        <a:font script="Taml" typeface="Latha"/>
-        <a:font script="Syrc" typeface="Estrangelo Edessa"/>
-        <a:font script="Orya" typeface="Kalinga"/>
-        <a:font script="Mlym" typeface="Kartika"/>
-        <a:font script="Laoo" typeface="DokChampa"/>
-        <a:font script="Sinh" typeface="Iskoola Pota"/>
-        <a:font script="Mong" typeface="Mongolian Baiti"/>
-        <a:font script="Viet" typeface="Times New Roman"/>
-        <a:font script="Uigh" typeface="Microsoft Uighur"/>
-        <a:font script="Geor" typeface="Sylfaen"/>
-      </a:majorFont>
-      <a:minorFont>
-        <a:latin typeface="Calibri" panose="020F0502020204030204"/>
-        <a:ea typeface=""/>
-        <a:cs typeface=""/>
-        <a:font script="Jpan" typeface="游ゴシック"/>
-        <a:font script="Hang" typeface="맑은 고딕"/>
-        <a:font script="Hans" typeface="等线"/>
-        <a:font script="Hant" typeface="新細明體"/>
-        <a:font script="Arab" typeface="Arial"/>
+        <a:font script="Grek" typeface="Corbel"/>
+        <a:font script="Cyrl" typeface="Corbel"/>
+        <a:font script="Jpan" typeface="HGｺﾞｼｯｸE"/>
+        <a:font script="Hang" typeface="휴먼매직체"/>
+        <a:font script="Hans" typeface="华文中宋"/>
+        <a:font script="Hant" typeface="微軟正黑體"/>
+        <a:font script="Arab" typeface="Majalla UI"/>
         <a:font script="Hebr" typeface="Arial"/>
         <a:font script="Thai" typeface="Cordia New"/>
         <a:font script="Ethi" typeface="Nyala"/>
@@ -3881,12 +4104,49 @@
         <a:font script="Laoo" typeface="DokChampa"/>
         <a:font script="Sinh" typeface="Iskoola Pota"/>
         <a:font script="Mong" typeface="Mongolian Baiti"/>
-        <a:font script="Viet" typeface="Arial"/>
+        <a:font script="Viet" typeface="Tahoma"/>
+        <a:font script="Uigh" typeface="Microsoft Uighur"/>
+        <a:font script="Geor" typeface="Sylfaen"/>
+      </a:majorFont>
+      <a:minorFont>
+        <a:latin typeface="Gill Sans MT" panose="020B0502020104020203"/>
+        <a:ea typeface=""/>
+        <a:cs typeface=""/>
+        <a:font script="Grek" typeface="Corbel"/>
+        <a:font script="Cyrl" typeface="Corbel"/>
+        <a:font script="Jpan" typeface="HGｺﾞｼｯｸE"/>
+        <a:font script="Hang" typeface="휴먼매직체"/>
+        <a:font script="Hans" typeface="华文中宋"/>
+        <a:font script="Hant" typeface="微軟正黑體"/>
+        <a:font script="Arab" typeface="Majalla UI"/>
+        <a:font script="Hebr" typeface="Arial"/>
+        <a:font script="Thai" typeface="Cordia New"/>
+        <a:font script="Ethi" typeface="Nyala"/>
+        <a:font script="Beng" typeface="Vrinda"/>
+        <a:font script="Gujr" typeface="Shruti"/>
+        <a:font script="Khmr" typeface="DaunPenh"/>
+        <a:font script="Knda" typeface="Tunga"/>
+        <a:font script="Guru" typeface="Raavi"/>
+        <a:font script="Cans" typeface="Euphemia"/>
+        <a:font script="Cher" typeface="Plantagenet Cherokee"/>
+        <a:font script="Yiii" typeface="Microsoft Yi Baiti"/>
+        <a:font script="Tibt" typeface="Microsoft Himalaya"/>
+        <a:font script="Thaa" typeface="MV Boli"/>
+        <a:font script="Deva" typeface="Mangal"/>
+        <a:font script="Telu" typeface="Gautami"/>
+        <a:font script="Taml" typeface="Latha"/>
+        <a:font script="Syrc" typeface="Estrangelo Edessa"/>
+        <a:font script="Orya" typeface="Kalinga"/>
+        <a:font script="Mlym" typeface="Kartika"/>
+        <a:font script="Laoo" typeface="DokChampa"/>
+        <a:font script="Sinh" typeface="Iskoola Pota"/>
+        <a:font script="Mong" typeface="Mongolian Baiti"/>
+        <a:font script="Viet" typeface="Tahoma"/>
         <a:font script="Uigh" typeface="Microsoft Uighur"/>
         <a:font script="Geor" typeface="Sylfaen"/>
       </a:minorFont>
     </a:fontScheme>
-    <a:fmtScheme name="Office">
+    <a:fmtScheme name="Parcel">
       <a:fillStyleLst>
         <a:solidFill>
           <a:schemeClr val="phClr"/>
@@ -3895,23 +4155,16 @@
           <a:gsLst>
             <a:gs pos="0">
               <a:schemeClr val="phClr">
-                <a:lumMod val="110000"/>
-                <a:satMod val="105000"/>
-                <a:tint val="67000"/>
-              </a:schemeClr>
-            </a:gs>
-            <a:gs pos="50000">
-              <a:schemeClr val="phClr">
-                <a:lumMod val="105000"/>
-                <a:satMod val="103000"/>
-                <a:tint val="73000"/>
+                <a:tint val="80000"/>
+                <a:satMod val="107000"/>
+                <a:lumMod val="103000"/>
               </a:schemeClr>
             </a:gs>
             <a:gs pos="100000">
               <a:schemeClr val="phClr">
-                <a:lumMod val="105000"/>
+                <a:tint val="82000"/>
                 <a:satMod val="109000"/>
-                <a:tint val="81000"/>
+                <a:lumMod val="103000"/>
               </a:schemeClr>
             </a:gs>
           </a:gsLst>
@@ -3921,23 +4174,23 @@
           <a:gsLst>
             <a:gs pos="0">
               <a:schemeClr val="phClr">
-                <a:satMod val="103000"/>
+                <a:tint val="97000"/>
+                <a:satMod val="100000"/>
                 <a:lumMod val="102000"/>
-                <a:tint val="94000"/>
               </a:schemeClr>
             </a:gs>
             <a:gs pos="50000">
               <a:schemeClr val="phClr">
-                <a:satMod val="110000"/>
+                <a:shade val="100000"/>
+                <a:satMod val="103000"/>
                 <a:lumMod val="100000"/>
-                <a:shade val="100000"/>
               </a:schemeClr>
             </a:gs>
             <a:gs pos="100000">
               <a:schemeClr val="phClr">
+                <a:shade val="93000"/>
+                <a:satMod val="110000"/>
                 <a:lumMod val="99000"/>
-                <a:satMod val="120000"/>
-                <a:shade val="78000"/>
               </a:schemeClr>
             </a:gs>
           </a:gsLst>
@@ -3950,21 +4203,18 @@
             <a:schemeClr val="phClr"/>
           </a:solidFill>
           <a:prstDash val="solid"/>
-          <a:miter lim="800000"/>
         </a:ln>
         <a:ln w="12700" cap="flat" cmpd="sng" algn="ctr">
           <a:solidFill>
             <a:schemeClr val="phClr"/>
           </a:solidFill>
           <a:prstDash val="solid"/>
-          <a:miter lim="800000"/>
         </a:ln>
-        <a:ln w="19050" cap="flat" cmpd="sng" algn="ctr">
+        <a:ln w="31750" cap="flat" cmpd="sng" algn="ctr">
           <a:solidFill>
             <a:schemeClr val="phClr"/>
           </a:solidFill>
           <a:prstDash val="solid"/>
-          <a:miter lim="800000"/>
         </a:ln>
       </a:lnStyleLst>
       <a:effectStyleLst>
@@ -3976,12 +4226,21 @@
         </a:effectStyle>
         <a:effectStyle>
           <a:effectLst>
-            <a:outerShdw blurRad="57150" dist="19050" dir="5400000" algn="ctr" rotWithShape="0">
+            <a:outerShdw blurRad="55880" dist="15240" dir="5400000" algn="ctr" rotWithShape="0">
               <a:srgbClr val="000000">
-                <a:alpha val="63000"/>
+                <a:alpha val="45000"/>
               </a:srgbClr>
             </a:outerShdw>
           </a:effectLst>
+          <a:scene3d>
+            <a:camera prst="orthographicFront">
+              <a:rot lat="0" lon="0" rev="0"/>
+            </a:camera>
+            <a:lightRig rig="brightRoom" dir="tl"/>
+          </a:scene3d>
+          <a:sp3d prstMaterial="dkEdge">
+            <a:bevelT w="0" h="0"/>
+          </a:sp3d>
         </a:effectStyle>
       </a:effectStyleLst>
       <a:bgFillStyleLst>
@@ -3998,28 +4257,24 @@
           <a:gsLst>
             <a:gs pos="0">
               <a:schemeClr val="phClr">
-                <a:tint val="93000"/>
-                <a:satMod val="150000"/>
-                <a:shade val="98000"/>
-                <a:lumMod val="102000"/>
-              </a:schemeClr>
-            </a:gs>
-            <a:gs pos="50000">
-              <a:schemeClr val="phClr">
-                <a:tint val="98000"/>
-                <a:satMod val="130000"/>
-                <a:shade val="90000"/>
-                <a:lumMod val="103000"/>
+                <a:tint val="97000"/>
+                <a:shade val="100000"/>
+                <a:satMod val="185000"/>
+                <a:lumMod val="120000"/>
               </a:schemeClr>
             </a:gs>
             <a:gs pos="100000">
               <a:schemeClr val="phClr">
-                <a:shade val="63000"/>
-                <a:satMod val="120000"/>
+                <a:tint val="96000"/>
+                <a:shade val="95000"/>
+                <a:satMod val="215000"/>
+                <a:lumMod val="80000"/>
               </a:schemeClr>
             </a:gs>
           </a:gsLst>
-          <a:lin ang="5400000" scaled="0"/>
+          <a:path path="circle">
+            <a:fillToRect l="50000" t="55000" r="125000" b="100000"/>
+          </a:path>
         </a:gradFill>
       </a:bgFillStyleLst>
     </a:fmtScheme>
@@ -4028,7 +4283,7 @@
   <a:extraClrSchemeLst/>
   <a:extLst>
     <a:ext uri="{05A4C25C-085E-4340-85A3-A5531E510DB2}">
-      <thm15:themeFamily xmlns:thm15="http://schemas.microsoft.com/office/thememl/2012/main" name="Office Theme" id="{62F939B6-93AF-4DB8-9C6B-D6C7DFDC589F}" vid="{4A3C46E8-61CC-4603-A589-7422A47A8E4A}"/>
+      <thm15:themeFamily xmlns:thm15="http://schemas.microsoft.com/office/thememl/2012/main" name="Parcel" id="{8BEC4385-4EB9-4D53-BFB5-0EA123736B6D}" vid="{4DB32801-28C0-48B0-8C1D-A9A58613615A}"/>
     </a:ext>
   </a:extLst>
 </a:theme>

--- a/College/FMP/Bacon Bandit.pptx
+++ b/College/FMP/Bacon Bandit.pptx
@@ -7,11 +7,13 @@
   <p:sldIdLst>
     <p:sldId id="256" r:id="rId2"/>
     <p:sldId id="258" r:id="rId3"/>
-    <p:sldId id="259" r:id="rId4"/>
-    <p:sldId id="262" r:id="rId5"/>
-    <p:sldId id="264" r:id="rId6"/>
-    <p:sldId id="260" r:id="rId7"/>
-    <p:sldId id="263" r:id="rId8"/>
+    <p:sldId id="266" r:id="rId4"/>
+    <p:sldId id="265" r:id="rId5"/>
+    <p:sldId id="259" r:id="rId6"/>
+    <p:sldId id="262" r:id="rId7"/>
+    <p:sldId id="264" r:id="rId8"/>
+    <p:sldId id="260" r:id="rId9"/>
+    <p:sldId id="263" r:id="rId10"/>
   </p:sldIdLst>
   <p:sldSz cx="12192000" cy="6858000"/>
   <p:notesSz cx="6858000" cy="9144000"/>
@@ -3318,6 +3320,14 @@
           <a:bodyPr/>
           <a:lstStyle/>
           <a:p>
+            <a:r>
+              <a:rPr lang="en-GB" dirty="0" smtClean="0"/>
+              <a:t>Working </a:t>
+            </a:r>
+            <a:r>
+              <a:rPr lang="en-GB" dirty="0" err="1" smtClean="0"/>
+              <a:t>TItle</a:t>
+            </a:r>
             <a:endParaRPr lang="en-GB" dirty="0"/>
           </a:p>
         </p:txBody>
@@ -3468,6 +3478,203 @@
 </file>
 
 <file path=ppt/slides/slide3.xml><?xml version="1.0" encoding="utf-8"?>
+<p:sld xmlns:a="http://schemas.openxmlformats.org/drawingml/2006/main" xmlns:r="http://schemas.openxmlformats.org/officeDocument/2006/relationships" xmlns:p="http://schemas.openxmlformats.org/presentationml/2006/main">
+  <p:cSld>
+    <p:spTree>
+      <p:nvGrpSpPr>
+        <p:cNvPr id="1" name=""/>
+        <p:cNvGrpSpPr/>
+        <p:nvPr/>
+      </p:nvGrpSpPr>
+      <p:grpSpPr>
+        <a:xfrm>
+          <a:off x="0" y="0"/>
+          <a:ext cx="0" cy="0"/>
+          <a:chOff x="0" y="0"/>
+          <a:chExt cx="0" cy="0"/>
+        </a:xfrm>
+      </p:grpSpPr>
+      <p:sp>
+        <p:nvSpPr>
+          <p:cNvPr id="2" name="Title 1"/>
+          <p:cNvSpPr>
+            <a:spLocks noGrp="1"/>
+          </p:cNvSpPr>
+          <p:nvPr>
+            <p:ph type="title"/>
+          </p:nvPr>
+        </p:nvSpPr>
+        <p:spPr/>
+        <p:txBody>
+          <a:bodyPr/>
+          <a:lstStyle/>
+          <a:p>
+            <a:r>
+              <a:rPr lang="en-GB" dirty="0" smtClean="0"/>
+              <a:t>Why Bacon</a:t>
+            </a:r>
+            <a:endParaRPr lang="en-GB" dirty="0"/>
+          </a:p>
+        </p:txBody>
+      </p:sp>
+      <p:sp>
+        <p:nvSpPr>
+          <p:cNvPr id="3" name="Content Placeholder 2"/>
+          <p:cNvSpPr>
+            <a:spLocks noGrp="1"/>
+          </p:cNvSpPr>
+          <p:nvPr>
+            <p:ph idx="1"/>
+          </p:nvPr>
+        </p:nvSpPr>
+        <p:spPr/>
+        <p:txBody>
+          <a:bodyPr/>
+          <a:lstStyle/>
+          <a:p>
+            <a:r>
+              <a:rPr lang="en-GB" dirty="0" smtClean="0"/>
+              <a:t>Bacon has a strong connection to the meme community (my target audience).</a:t>
+            </a:r>
+          </a:p>
+          <a:p>
+            <a:r>
+              <a:rPr lang="en-GB" dirty="0" smtClean="0"/>
+              <a:t>I think that if the main character was a piece of bacon that the community would react positively towards the game.</a:t>
+            </a:r>
+          </a:p>
+          <a:p>
+            <a:r>
+              <a:rPr lang="en-GB" dirty="0" smtClean="0"/>
+              <a:t>I don’t want to have it as an small animal that would fit in the small spaces as a mouse or rat, as it has done multiple times before e.g. </a:t>
+            </a:r>
+            <a:r>
+              <a:rPr lang="en-GB" dirty="0" err="1" smtClean="0"/>
+              <a:t>Rattatouie</a:t>
+            </a:r>
+            <a:r>
+              <a:rPr lang="en-GB" dirty="0" smtClean="0"/>
+              <a:t>.</a:t>
+            </a:r>
+          </a:p>
+          <a:p>
+            <a:r>
+              <a:rPr lang="en-GB" dirty="0" smtClean="0"/>
+              <a:t>Everyone </a:t>
+            </a:r>
+            <a:r>
+              <a:rPr lang="en-GB" smtClean="0"/>
+              <a:t>loves bacon!</a:t>
+            </a:r>
+            <a:endParaRPr lang="en-GB" dirty="0" smtClean="0"/>
+          </a:p>
+          <a:p>
+            <a:endParaRPr lang="en-GB" dirty="0"/>
+          </a:p>
+        </p:txBody>
+      </p:sp>
+    </p:spTree>
+    <p:extLst>
+      <p:ext uri="{BB962C8B-B14F-4D97-AF65-F5344CB8AC3E}">
+        <p14:creationId xmlns:p14="http://schemas.microsoft.com/office/powerpoint/2010/main" val="1361988409"/>
+      </p:ext>
+    </p:extLst>
+  </p:cSld>
+  <p:clrMapOvr>
+    <a:masterClrMapping/>
+  </p:clrMapOvr>
+</p:sld>
+</file>
+
+<file path=ppt/slides/slide4.xml><?xml version="1.0" encoding="utf-8"?>
+<p:sld xmlns:a="http://schemas.openxmlformats.org/drawingml/2006/main" xmlns:r="http://schemas.openxmlformats.org/officeDocument/2006/relationships" xmlns:p="http://schemas.openxmlformats.org/presentationml/2006/main">
+  <p:cSld>
+    <p:spTree>
+      <p:nvGrpSpPr>
+        <p:cNvPr id="1" name=""/>
+        <p:cNvGrpSpPr/>
+        <p:nvPr/>
+      </p:nvGrpSpPr>
+      <p:grpSpPr>
+        <a:xfrm>
+          <a:off x="0" y="0"/>
+          <a:ext cx="0" cy="0"/>
+          <a:chOff x="0" y="0"/>
+          <a:chExt cx="0" cy="0"/>
+        </a:xfrm>
+      </p:grpSpPr>
+      <p:sp>
+        <p:nvSpPr>
+          <p:cNvPr id="2" name="Title 1"/>
+          <p:cNvSpPr>
+            <a:spLocks noGrp="1"/>
+          </p:cNvSpPr>
+          <p:nvPr>
+            <p:ph type="title"/>
+          </p:nvPr>
+        </p:nvSpPr>
+        <p:spPr/>
+        <p:txBody>
+          <a:bodyPr/>
+          <a:lstStyle/>
+          <a:p>
+            <a:r>
+              <a:rPr lang="en-GB" dirty="0" smtClean="0"/>
+              <a:t>Gant chart</a:t>
+            </a:r>
+            <a:endParaRPr lang="en-GB" dirty="0"/>
+          </a:p>
+        </p:txBody>
+      </p:sp>
+      <p:pic>
+        <p:nvPicPr>
+          <p:cNvPr id="8" name="Content Placeholder 7"/>
+          <p:cNvPicPr>
+            <a:picLocks noGrp="1" noChangeAspect="1"/>
+          </p:cNvPicPr>
+          <p:nvPr>
+            <p:ph idx="1"/>
+          </p:nvPr>
+        </p:nvPicPr>
+        <p:blipFill rotWithShape="1">
+          <a:blip r:embed="rId2">
+            <a:extLst>
+              <a:ext uri="{28A0092B-C50C-407E-A947-70E740481C1C}">
+                <a14:useLocalDpi xmlns:a14="http://schemas.microsoft.com/office/drawing/2010/main" val="0"/>
+              </a:ext>
+            </a:extLst>
+          </a:blip>
+          <a:srcRect l="423" t="1583" r="423" b="3838"/>
+          <a:stretch/>
+        </p:blipFill>
+        <p:spPr>
+          <a:xfrm>
+            <a:off x="241071" y="2776450"/>
+            <a:ext cx="11687695" cy="1970117"/>
+          </a:xfrm>
+        </p:spPr>
+      </p:pic>
+    </p:spTree>
+    <p:extLst>
+      <p:ext uri="{BB962C8B-B14F-4D97-AF65-F5344CB8AC3E}">
+        <p14:creationId xmlns:p14="http://schemas.microsoft.com/office/powerpoint/2010/main" val="349660729"/>
+      </p:ext>
+    </p:extLst>
+  </p:cSld>
+  <p:clrMapOvr>
+    <a:masterClrMapping/>
+  </p:clrMapOvr>
+  <p:timing>
+    <p:tnLst>
+      <p:par>
+        <p:cTn id="1" dur="indefinite" restart="never" nodeType="tmRoot"/>
+      </p:par>
+    </p:tnLst>
+  </p:timing>
+</p:sld>
+</file>
+
+<file path=ppt/slides/slide5.xml><?xml version="1.0" encoding="utf-8"?>
 <p:sld xmlns:a="http://schemas.openxmlformats.org/drawingml/2006/main" xmlns:r="http://schemas.openxmlformats.org/officeDocument/2006/relationships" xmlns:p="http://schemas.openxmlformats.org/presentationml/2006/main">
   <p:cSld>
     <p:spTree>
@@ -3682,7 +3889,7 @@
 </p:sld>
 </file>
 
-<file path=ppt/slides/slide4.xml><?xml version="1.0" encoding="utf-8"?>
+<file path=ppt/slides/slide6.xml><?xml version="1.0" encoding="utf-8"?>
 <p:sld xmlns:a="http://schemas.openxmlformats.org/drawingml/2006/main" xmlns:r="http://schemas.openxmlformats.org/officeDocument/2006/relationships" xmlns:p="http://schemas.openxmlformats.org/presentationml/2006/main">
   <p:cSld>
     <p:spTree>
@@ -3739,7 +3946,7 @@
         </p:nvSpPr>
         <p:spPr>
           <a:xfrm>
-            <a:off x="3440077" y="2432456"/>
+            <a:off x="3415138" y="2432456"/>
             <a:ext cx="5122025" cy="2139547"/>
           </a:xfrm>
         </p:spPr>
@@ -3788,7 +3995,7 @@
 </p:sld>
 </file>
 
-<file path=ppt/slides/slide5.xml><?xml version="1.0" encoding="utf-8"?>
+<file path=ppt/slides/slide7.xml><?xml version="1.0" encoding="utf-8"?>
 <p:sld xmlns:a="http://schemas.openxmlformats.org/drawingml/2006/main" xmlns:r="http://schemas.openxmlformats.org/officeDocument/2006/relationships" xmlns:p="http://schemas.openxmlformats.org/presentationml/2006/main">
   <p:cSld>
     <p:spTree>
@@ -3845,7 +4052,7 @@
         </p:nvSpPr>
         <p:spPr>
           <a:xfrm>
-            <a:off x="838200" y="2033442"/>
+            <a:off x="3165765" y="2041755"/>
             <a:ext cx="5122025" cy="4351338"/>
           </a:xfrm>
         </p:spPr>
@@ -3857,11 +4064,7 @@
           <a:p>
             <a:r>
               <a:rPr lang="en-GB" sz="2000" dirty="0" smtClean="0"/>
-              <a:t>A piece of baco</a:t>
-            </a:r>
-            <a:r>
-              <a:rPr lang="en-GB" sz="2000" dirty="0" smtClean="0"/>
-              <a:t>n is not known to jump or carry things yet this piece can do just that.</a:t>
+              <a:t>A piece of bacon is not known to jump or carry things yet this piece can do just that.</a:t>
             </a:r>
           </a:p>
           <a:p>
@@ -3895,7 +4098,7 @@
 </p:sld>
 </file>
 
-<file path=ppt/slides/slide6.xml><?xml version="1.0" encoding="utf-8"?>
+<file path=ppt/slides/slide8.xml><?xml version="1.0" encoding="utf-8"?>
 <p:sld xmlns:a="http://schemas.openxmlformats.org/drawingml/2006/main" xmlns:r="http://schemas.openxmlformats.org/officeDocument/2006/relationships" xmlns:p="http://schemas.openxmlformats.org/presentationml/2006/main">
   <p:cSld>
     <p:spTree>
@@ -3964,7 +4167,7 @@
 </p:sld>
 </file>
 
-<file path=ppt/slides/slide7.xml><?xml version="1.0" encoding="utf-8"?>
+<file path=ppt/slides/slide9.xml><?xml version="1.0" encoding="utf-8"?>
 <p:sld xmlns:a="http://schemas.openxmlformats.org/drawingml/2006/main" xmlns:r="http://schemas.openxmlformats.org/officeDocument/2006/relationships" xmlns:p="http://schemas.openxmlformats.org/presentationml/2006/main">
   <p:cSld>
     <p:spTree>

--- a/College/FMP/Bacon Bandit.pptx
+++ b/College/FMP/Bacon Bandit.pptx
@@ -283,7 +283,7 @@
           <a:p>
             <a:fld id="{8C73A8CE-8DBE-4846-85EC-5C6E1CEE8DAD}" type="datetimeFigureOut">
               <a:rPr lang="en-GB" smtClean="0"/>
-              <a:t>28/11/2019</a:t>
+              <a:t>29/11/2019</a:t>
             </a:fld>
             <a:endParaRPr lang="en-GB"/>
           </a:p>
@@ -453,7 +453,7 @@
           <a:p>
             <a:fld id="{8C73A8CE-8DBE-4846-85EC-5C6E1CEE8DAD}" type="datetimeFigureOut">
               <a:rPr lang="en-GB" smtClean="0"/>
-              <a:t>28/11/2019</a:t>
+              <a:t>29/11/2019</a:t>
             </a:fld>
             <a:endParaRPr lang="en-GB"/>
           </a:p>
@@ -633,7 +633,7 @@
           <a:p>
             <a:fld id="{8C73A8CE-8DBE-4846-85EC-5C6E1CEE8DAD}" type="datetimeFigureOut">
               <a:rPr lang="en-GB" smtClean="0"/>
-              <a:t>28/11/2019</a:t>
+              <a:t>29/11/2019</a:t>
             </a:fld>
             <a:endParaRPr lang="en-GB"/>
           </a:p>
@@ -803,7 +803,7 @@
           <a:p>
             <a:fld id="{8C73A8CE-8DBE-4846-85EC-5C6E1CEE8DAD}" type="datetimeFigureOut">
               <a:rPr lang="en-GB" smtClean="0"/>
-              <a:t>28/11/2019</a:t>
+              <a:t>29/11/2019</a:t>
             </a:fld>
             <a:endParaRPr lang="en-GB"/>
           </a:p>
@@ -1071,7 +1071,7 @@
           <a:p>
             <a:fld id="{8C73A8CE-8DBE-4846-85EC-5C6E1CEE8DAD}" type="datetimeFigureOut">
               <a:rPr lang="en-GB" smtClean="0"/>
-              <a:t>28/11/2019</a:t>
+              <a:t>29/11/2019</a:t>
             </a:fld>
             <a:endParaRPr lang="en-GB"/>
           </a:p>
@@ -1303,7 +1303,7 @@
           <a:p>
             <a:fld id="{8C73A8CE-8DBE-4846-85EC-5C6E1CEE8DAD}" type="datetimeFigureOut">
               <a:rPr lang="en-GB" smtClean="0"/>
-              <a:t>28/11/2019</a:t>
+              <a:t>29/11/2019</a:t>
             </a:fld>
             <a:endParaRPr lang="en-GB"/>
           </a:p>
@@ -1662,7 +1662,7 @@
           <a:p>
             <a:fld id="{8C73A8CE-8DBE-4846-85EC-5C6E1CEE8DAD}" type="datetimeFigureOut">
               <a:rPr lang="en-GB" smtClean="0"/>
-              <a:t>28/11/2019</a:t>
+              <a:t>29/11/2019</a:t>
             </a:fld>
             <a:endParaRPr lang="en-GB"/>
           </a:p>
@@ -1803,7 +1803,7 @@
           <a:p>
             <a:fld id="{8C73A8CE-8DBE-4846-85EC-5C6E1CEE8DAD}" type="datetimeFigureOut">
               <a:rPr lang="en-GB" smtClean="0"/>
-              <a:t>28/11/2019</a:t>
+              <a:t>29/11/2019</a:t>
             </a:fld>
             <a:endParaRPr lang="en-GB"/>
           </a:p>
@@ -1898,7 +1898,7 @@
           <a:p>
             <a:fld id="{8C73A8CE-8DBE-4846-85EC-5C6E1CEE8DAD}" type="datetimeFigureOut">
               <a:rPr lang="en-GB" smtClean="0"/>
-              <a:t>28/11/2019</a:t>
+              <a:t>29/11/2019</a:t>
             </a:fld>
             <a:endParaRPr lang="en-GB"/>
           </a:p>
@@ -2255,7 +2255,7 @@
           <a:p>
             <a:fld id="{8C73A8CE-8DBE-4846-85EC-5C6E1CEE8DAD}" type="datetimeFigureOut">
               <a:rPr lang="en-GB" smtClean="0"/>
-              <a:t>28/11/2019</a:t>
+              <a:t>29/11/2019</a:t>
             </a:fld>
             <a:endParaRPr lang="en-GB"/>
           </a:p>
@@ -2612,7 +2612,7 @@
           <a:p>
             <a:fld id="{8C73A8CE-8DBE-4846-85EC-5C6E1CEE8DAD}" type="datetimeFigureOut">
               <a:rPr lang="en-GB" smtClean="0"/>
-              <a:t>28/11/2019</a:t>
+              <a:t>29/11/2019</a:t>
             </a:fld>
             <a:endParaRPr lang="en-GB"/>
           </a:p>
@@ -2853,7 +2853,7 @@
           <a:p>
             <a:fld id="{8C73A8CE-8DBE-4846-85EC-5C6E1CEE8DAD}" type="datetimeFigureOut">
               <a:rPr lang="en-GB" smtClean="0"/>
-              <a:t>28/11/2019</a:t>
+              <a:t>29/11/2019</a:t>
             </a:fld>
             <a:endParaRPr lang="en-GB"/>
           </a:p>
@@ -3325,28 +3325,36 @@
               <a:t>Working </a:t>
             </a:r>
             <a:r>
+              <a:rPr lang="en-GB" dirty="0" smtClean="0"/>
+              <a:t>Title</a:t>
+            </a:r>
+            <a:endParaRPr lang="en-GB" dirty="0"/>
+          </a:p>
+        </p:txBody>
+      </p:sp>
+      <p:sp>
+        <p:nvSpPr>
+          <p:cNvPr id="3" name="Subtitle 2"/>
+          <p:cNvSpPr>
+            <a:spLocks noGrp="1"/>
+          </p:cNvSpPr>
+          <p:nvPr>
+            <p:ph type="subTitle" idx="1"/>
+          </p:nvPr>
+        </p:nvSpPr>
+        <p:spPr/>
+        <p:txBody>
+          <a:bodyPr/>
+          <a:lstStyle/>
+          <a:p>
+            <a:r>
+              <a:rPr lang="en-GB" dirty="0" smtClean="0"/>
+              <a:t>By Louis </a:t>
+            </a:r>
+            <a:r>
               <a:rPr lang="en-GB" dirty="0" err="1" smtClean="0"/>
-              <a:t>TItle</a:t>
-            </a:r>
-            <a:endParaRPr lang="en-GB" dirty="0"/>
-          </a:p>
-        </p:txBody>
-      </p:sp>
-      <p:sp>
-        <p:nvSpPr>
-          <p:cNvPr id="3" name="Subtitle 2"/>
-          <p:cNvSpPr>
-            <a:spLocks noGrp="1"/>
-          </p:cNvSpPr>
-          <p:nvPr>
-            <p:ph type="subTitle" idx="1"/>
-          </p:nvPr>
-        </p:nvSpPr>
-        <p:spPr/>
-        <p:txBody>
-          <a:bodyPr/>
-          <a:lstStyle/>
-          <a:p>
+              <a:t>Kift</a:t>
+            </a:r>
             <a:endParaRPr lang="en-GB" dirty="0"/>
           </a:p>
         </p:txBody>
@@ -3428,7 +3436,27 @@
           <a:p>
             <a:r>
               <a:rPr lang="en-GB" dirty="0" smtClean="0"/>
-              <a:t>You are a piece of Bacon causing chaos in restaurants and cafes.</a:t>
+              <a:t>You </a:t>
+            </a:r>
+            <a:r>
+              <a:rPr lang="en-GB" dirty="0" smtClean="0"/>
+              <a:t>can choose between being a</a:t>
+            </a:r>
+            <a:r>
+              <a:rPr lang="en-GB" dirty="0" smtClean="0"/>
+              <a:t> </a:t>
+            </a:r>
+            <a:r>
+              <a:rPr lang="en-GB" dirty="0" smtClean="0"/>
+              <a:t>piece of </a:t>
+            </a:r>
+            <a:r>
+              <a:rPr lang="en-GB" dirty="0" smtClean="0"/>
+              <a:t>Bacon and a Barbie like doll, causing </a:t>
+            </a:r>
+            <a:r>
+              <a:rPr lang="en-GB" dirty="0" smtClean="0"/>
+              <a:t>chaos in restaurants and cafes.</a:t>
             </a:r>
           </a:p>
           <a:p>
@@ -3534,13 +3562,11 @@
           <a:p>
             <a:r>
               <a:rPr lang="en-GB" dirty="0" smtClean="0"/>
-              <a:t>Bacon has a strong connection to the meme community (my target audience).</a:t>
-            </a:r>
-          </a:p>
-          <a:p>
+              <a:t>I </a:t>
+            </a:r>
             <a:r>
               <a:rPr lang="en-GB" dirty="0" smtClean="0"/>
-              <a:t>I think that if the main character was a piece of bacon that the community would react positively towards the game.</a:t>
+              <a:t>think that if the main character was a piece of bacon that the community would react positively towards the game.</a:t>
             </a:r>
           </a:p>
           <a:p>
@@ -3560,11 +3586,17 @@
           <a:p>
             <a:r>
               <a:rPr lang="en-GB" dirty="0" smtClean="0"/>
-              <a:t>Everyone </a:t>
-            </a:r>
-            <a:r>
-              <a:rPr lang="en-GB" smtClean="0"/>
-              <a:t>loves bacon!</a:t>
+              <a:t>Everyone loves bacon</a:t>
+            </a:r>
+            <a:r>
+              <a:rPr lang="en-GB" dirty="0" smtClean="0"/>
+              <a:t>!</a:t>
+            </a:r>
+          </a:p>
+          <a:p>
+            <a:r>
+              <a:rPr lang="en-GB" dirty="0" smtClean="0"/>
+              <a:t>I am also hoping to add a second character, which is a doll, similar to a Barbie.</a:t>
             </a:r>
             <a:endParaRPr lang="en-GB" dirty="0" smtClean="0"/>
           </a:p>
@@ -3583,6 +3615,13 @@
   <p:clrMapOvr>
     <a:masterClrMapping/>
   </p:clrMapOvr>
+  <p:timing>
+    <p:tnLst>
+      <p:par>
+        <p:cTn id="1" dur="indefinite" restart="never" nodeType="tmRoot"/>
+      </p:par>
+    </p:tnLst>
+  </p:timing>
 </p:sld>
 </file>
 
@@ -3628,7 +3667,7 @@
       </p:sp>
       <p:pic>
         <p:nvPicPr>
-          <p:cNvPr id="8" name="Content Placeholder 7"/>
+          <p:cNvPr id="6" name="Content Placeholder 5"/>
           <p:cNvPicPr>
             <a:picLocks noGrp="1" noChangeAspect="1"/>
           </p:cNvPicPr>
@@ -3644,13 +3683,13 @@
               </a:ext>
             </a:extLst>
           </a:blip>
-          <a:srcRect l="423" t="1583" r="423" b="3838"/>
+          <a:srcRect l="203" t="1572" r="620" b="3776"/>
           <a:stretch/>
         </p:blipFill>
         <p:spPr>
           <a:xfrm>
-            <a:off x="241071" y="2776450"/>
-            <a:ext cx="11687695" cy="1970117"/>
+            <a:off x="515389" y="2917768"/>
+            <a:ext cx="10889673" cy="2003368"/>
           </a:xfrm>
         </p:spPr>
       </p:pic>
@@ -3959,15 +3998,28 @@
             <a:pPr algn="ctr"/>
             <a:r>
               <a:rPr lang="en-GB" sz="2000" dirty="0" smtClean="0"/>
-              <a:t>In the game you are based inside a restaurant or café, for this reason I have gathered some noises and ambience for a café or restaurant.</a:t>
+              <a:t>In the game you are based inside a restaurant or café, for this </a:t>
+            </a:r>
+            <a:r>
+              <a:rPr lang="en-GB" sz="2000" dirty="0" smtClean="0"/>
+              <a:t>reason, we will gather some </a:t>
+            </a:r>
+            <a:r>
+              <a:rPr lang="en-GB" sz="2000" dirty="0" smtClean="0"/>
+              <a:t>noises and ambience for a café or restaurant.</a:t>
             </a:r>
           </a:p>
           <a:p>
             <a:pPr algn="ctr"/>
             <a:r>
               <a:rPr lang="en-GB" sz="2000" dirty="0" smtClean="0"/>
-              <a:t>As well as this when the character jumps or runs into a wall it will produce a sound effect that.</a:t>
-            </a:r>
+              <a:t>As well as this when the character jumps or runs into a wall it will produce a sound </a:t>
+            </a:r>
+            <a:r>
+              <a:rPr lang="en-GB" sz="2000" dirty="0" smtClean="0"/>
+              <a:t>effect.</a:t>
+            </a:r>
+            <a:endParaRPr lang="en-GB" sz="2000" dirty="0" smtClean="0"/>
           </a:p>
           <a:p>
             <a:pPr algn="ctr"/>
@@ -4074,6 +4126,10 @@
             </a:r>
           </a:p>
           <a:p>
+            <a:r>
+              <a:rPr lang="en-GB" sz="2000" dirty="0" smtClean="0"/>
+              <a:t>As for the bi-pedal character it would be quite similar to the premade Unreal Engine characters animations.</a:t>
+            </a:r>
             <a:endParaRPr lang="en-GB" sz="2000" dirty="0"/>
           </a:p>
         </p:txBody>
